--- a/aulas/gsi522/Aula9 - Arquitetura de SW.pptx
+++ b/aulas/gsi522/Aula9 - Arquitetura de SW.pptx
@@ -37,7 +37,7 @@
     <p:sldId id="284" r:id="rId32"/>
   </p:sldIdLst>
   <p:sldSz cx="9144000" cy="6858000"/>
-  <p:notesSz cx="7772400" cy="10058400"/>
+  <p:notesSz cx="7559675" cy="10691812"/>
 </p:presentation>
 </file>
 
@@ -82,7 +82,7 @@
       </p:grpSpPr>
       <p:sp>
         <p:nvSpPr>
-          <p:cNvPr id="26" name="PlaceHolder 1"/>
+          <p:cNvPr id="23" name="PlaceHolder 1"/>
           <p:cNvSpPr>
             <a:spLocks noGrp="1"/>
           </p:cNvSpPr>
@@ -92,8 +92,8 @@
         </p:nvSpPr>
         <p:spPr>
           <a:xfrm>
-            <a:off x="457200" y="274680"/>
-            <a:ext cx="8229240" cy="1142640"/>
+            <a:off x="457200" y="273600"/>
+            <a:ext cx="8229240" cy="1144800"/>
           </a:xfrm>
           <a:prstGeom prst="rect">
             <a:avLst/>
@@ -102,13 +102,14 @@
         <p:txBody>
           <a:bodyPr lIns="0" rIns="0" tIns="0" bIns="0" anchor="ctr"/>
           <a:p>
-            <a:endParaRPr/>
-          </a:p>
-        </p:txBody>
-      </p:sp>
-      <p:sp>
-        <p:nvSpPr>
-          <p:cNvPr id="27" name="PlaceHolder 2"/>
+            <a:pPr algn="ctr"/>
+            <a:endParaRPr/>
+          </a:p>
+        </p:txBody>
+      </p:sp>
+      <p:sp>
+        <p:nvSpPr>
+          <p:cNvPr id="24" name="PlaceHolder 2"/>
           <p:cNvSpPr>
             <a:spLocks noGrp="1"/>
           </p:cNvSpPr>
@@ -118,8 +119,8 @@
         </p:nvSpPr>
         <p:spPr>
           <a:xfrm>
-            <a:off x="457200" y="1600200"/>
-            <a:ext cx="8229240" cy="2158560"/>
+            <a:off x="457200" y="1604520"/>
+            <a:ext cx="8229240" cy="1896840"/>
           </a:xfrm>
           <a:prstGeom prst="rect">
             <a:avLst/>
@@ -134,7 +135,7 @@
       </p:sp>
       <p:sp>
         <p:nvSpPr>
-          <p:cNvPr id="28" name="PlaceHolder 3"/>
+          <p:cNvPr id="25" name="PlaceHolder 3"/>
           <p:cNvSpPr>
             <a:spLocks noGrp="1"/>
           </p:cNvSpPr>
@@ -144,8 +145,8 @@
         </p:nvSpPr>
         <p:spPr>
           <a:xfrm>
-            <a:off x="457200" y="3964320"/>
-            <a:ext cx="8229240" cy="2158560"/>
+            <a:off x="457200" y="3682080"/>
+            <a:ext cx="8229240" cy="1896840"/>
           </a:xfrm>
           <a:prstGeom prst="rect">
             <a:avLst/>
@@ -182,7 +183,7 @@
       </p:grpSpPr>
       <p:sp>
         <p:nvSpPr>
-          <p:cNvPr id="29" name="PlaceHolder 1"/>
+          <p:cNvPr id="26" name="PlaceHolder 1"/>
           <p:cNvSpPr>
             <a:spLocks noGrp="1"/>
           </p:cNvSpPr>
@@ -192,8 +193,8 @@
         </p:nvSpPr>
         <p:spPr>
           <a:xfrm>
-            <a:off x="457200" y="274680"/>
-            <a:ext cx="8229240" cy="1142640"/>
+            <a:off x="457200" y="273600"/>
+            <a:ext cx="8229240" cy="1144800"/>
           </a:xfrm>
           <a:prstGeom prst="rect">
             <a:avLst/>
@@ -202,13 +203,14 @@
         <p:txBody>
           <a:bodyPr lIns="0" rIns="0" tIns="0" bIns="0" anchor="ctr"/>
           <a:p>
-            <a:endParaRPr/>
-          </a:p>
-        </p:txBody>
-      </p:sp>
-      <p:sp>
-        <p:nvSpPr>
-          <p:cNvPr id="30" name="PlaceHolder 2"/>
+            <a:pPr algn="ctr"/>
+            <a:endParaRPr/>
+          </a:p>
+        </p:txBody>
+      </p:sp>
+      <p:sp>
+        <p:nvSpPr>
+          <p:cNvPr id="27" name="PlaceHolder 2"/>
           <p:cNvSpPr>
             <a:spLocks noGrp="1"/>
           </p:cNvSpPr>
@@ -218,8 +220,8 @@
         </p:nvSpPr>
         <p:spPr>
           <a:xfrm>
-            <a:off x="457200" y="1600200"/>
-            <a:ext cx="4015800" cy="2158560"/>
+            <a:off x="457200" y="1604520"/>
+            <a:ext cx="4015800" cy="1896840"/>
           </a:xfrm>
           <a:prstGeom prst="rect">
             <a:avLst/>
@@ -234,7 +236,7 @@
       </p:sp>
       <p:sp>
         <p:nvSpPr>
-          <p:cNvPr id="31" name="PlaceHolder 3"/>
+          <p:cNvPr id="28" name="PlaceHolder 3"/>
           <p:cNvSpPr>
             <a:spLocks noGrp="1"/>
           </p:cNvSpPr>
@@ -244,8 +246,8 @@
         </p:nvSpPr>
         <p:spPr>
           <a:xfrm>
-            <a:off x="4674240" y="1600200"/>
-            <a:ext cx="4015800" cy="2158560"/>
+            <a:off x="4674240" y="1604520"/>
+            <a:ext cx="4015800" cy="1896840"/>
           </a:xfrm>
           <a:prstGeom prst="rect">
             <a:avLst/>
@@ -260,7 +262,7 @@
       </p:sp>
       <p:sp>
         <p:nvSpPr>
-          <p:cNvPr id="32" name="PlaceHolder 4"/>
+          <p:cNvPr id="29" name="PlaceHolder 4"/>
           <p:cNvSpPr>
             <a:spLocks noGrp="1"/>
           </p:cNvSpPr>
@@ -270,8 +272,8 @@
         </p:nvSpPr>
         <p:spPr>
           <a:xfrm>
-            <a:off x="4674240" y="3964320"/>
-            <a:ext cx="4015800" cy="2158560"/>
+            <a:off x="4674240" y="3682080"/>
+            <a:ext cx="4015800" cy="1896840"/>
           </a:xfrm>
           <a:prstGeom prst="rect">
             <a:avLst/>
@@ -286,7 +288,7 @@
       </p:sp>
       <p:sp>
         <p:nvSpPr>
-          <p:cNvPr id="33" name="PlaceHolder 5"/>
+          <p:cNvPr id="30" name="PlaceHolder 5"/>
           <p:cNvSpPr>
             <a:spLocks noGrp="1"/>
           </p:cNvSpPr>
@@ -296,8 +298,8 @@
         </p:nvSpPr>
         <p:spPr>
           <a:xfrm>
-            <a:off x="457200" y="3964320"/>
-            <a:ext cx="4015800" cy="2158560"/>
+            <a:off x="457200" y="3682080"/>
+            <a:ext cx="4015800" cy="1896840"/>
           </a:xfrm>
           <a:prstGeom prst="rect">
             <a:avLst/>
@@ -334,7 +336,7 @@
       </p:grpSpPr>
       <p:sp>
         <p:nvSpPr>
-          <p:cNvPr id="34" name="PlaceHolder 1"/>
+          <p:cNvPr id="31" name="PlaceHolder 1"/>
           <p:cNvSpPr>
             <a:spLocks noGrp="1"/>
           </p:cNvSpPr>
@@ -344,8 +346,8 @@
         </p:nvSpPr>
         <p:spPr>
           <a:xfrm>
-            <a:off x="457200" y="274680"/>
-            <a:ext cx="8229240" cy="1142640"/>
+            <a:off x="457200" y="273600"/>
+            <a:ext cx="8229240" cy="1144800"/>
           </a:xfrm>
           <a:prstGeom prst="rect">
             <a:avLst/>
@@ -354,13 +356,14 @@
         <p:txBody>
           <a:bodyPr lIns="0" rIns="0" tIns="0" bIns="0" anchor="ctr"/>
           <a:p>
-            <a:endParaRPr/>
-          </a:p>
-        </p:txBody>
-      </p:sp>
-      <p:sp>
-        <p:nvSpPr>
-          <p:cNvPr id="35" name="PlaceHolder 2"/>
+            <a:pPr algn="ctr"/>
+            <a:endParaRPr/>
+          </a:p>
+        </p:txBody>
+      </p:sp>
+      <p:sp>
+        <p:nvSpPr>
+          <p:cNvPr id="32" name="PlaceHolder 2"/>
           <p:cNvSpPr>
             <a:spLocks noGrp="1"/>
           </p:cNvSpPr>
@@ -370,8 +373,8 @@
         </p:nvSpPr>
         <p:spPr>
           <a:xfrm>
-            <a:off x="457200" y="1600200"/>
-            <a:ext cx="8229240" cy="4525560"/>
+            <a:off x="457200" y="1604520"/>
+            <a:ext cx="8229240" cy="3977280"/>
           </a:xfrm>
           <a:prstGeom prst="rect">
             <a:avLst/>
@@ -386,7 +389,7 @@
       </p:sp>
       <p:sp>
         <p:nvSpPr>
-          <p:cNvPr id="36" name="PlaceHolder 3"/>
+          <p:cNvPr id="33" name="PlaceHolder 3"/>
           <p:cNvSpPr>
             <a:spLocks noGrp="1"/>
           </p:cNvSpPr>
@@ -396,8 +399,8 @@
         </p:nvSpPr>
         <p:spPr>
           <a:xfrm>
-            <a:off x="457200" y="1600200"/>
-            <a:ext cx="8229240" cy="4525560"/>
+            <a:off x="457200" y="1604520"/>
+            <a:ext cx="8229240" cy="3977280"/>
           </a:xfrm>
           <a:prstGeom prst="rect">
             <a:avLst/>
@@ -412,7 +415,7 @@
       </p:sp>
       <p:pic>
         <p:nvPicPr>
-          <p:cNvPr id="37" name="" descr=""/>
+          <p:cNvPr id="34" name="" descr=""/>
           <p:cNvPicPr/>
           <p:nvPr/>
         </p:nvPicPr>
@@ -422,8 +425,8 @@
         </p:blipFill>
         <p:spPr>
           <a:xfrm>
-            <a:off x="1735560" y="1599840"/>
-            <a:ext cx="5671800" cy="4525560"/>
+            <a:off x="2079000" y="1604520"/>
+            <a:ext cx="4984920" cy="3977280"/>
           </a:xfrm>
           <a:prstGeom prst="rect">
             <a:avLst/>
@@ -435,7 +438,7 @@
       </p:pic>
       <p:pic>
         <p:nvPicPr>
-          <p:cNvPr id="38" name="" descr=""/>
+          <p:cNvPr id="35" name="" descr=""/>
           <p:cNvPicPr/>
           <p:nvPr/>
         </p:nvPicPr>
@@ -445,8 +448,8 @@
         </p:blipFill>
         <p:spPr>
           <a:xfrm>
-            <a:off x="1735560" y="1599840"/>
-            <a:ext cx="5671800" cy="4525560"/>
+            <a:off x="2079000" y="1604520"/>
+            <a:ext cx="4984920" cy="3977280"/>
           </a:xfrm>
           <a:prstGeom prst="rect">
             <a:avLst/>
@@ -502,7 +505,7 @@
       </p:grpSpPr>
       <p:sp>
         <p:nvSpPr>
-          <p:cNvPr id="44" name="PlaceHolder 1"/>
+          <p:cNvPr id="38" name="PlaceHolder 1"/>
           <p:cNvSpPr>
             <a:spLocks noGrp="1"/>
           </p:cNvSpPr>
@@ -512,8 +515,8 @@
         </p:nvSpPr>
         <p:spPr>
           <a:xfrm>
-            <a:off x="457200" y="274680"/>
-            <a:ext cx="8229240" cy="1142640"/>
+            <a:off x="457200" y="273600"/>
+            <a:ext cx="8229240" cy="1144800"/>
           </a:xfrm>
           <a:prstGeom prst="rect">
             <a:avLst/>
@@ -522,13 +525,14 @@
         <p:txBody>
           <a:bodyPr lIns="0" rIns="0" tIns="0" bIns="0" anchor="ctr"/>
           <a:p>
-            <a:endParaRPr/>
-          </a:p>
-        </p:txBody>
-      </p:sp>
-      <p:sp>
-        <p:nvSpPr>
-          <p:cNvPr id="45" name="PlaceHolder 2"/>
+            <a:pPr algn="ctr"/>
+            <a:endParaRPr/>
+          </a:p>
+        </p:txBody>
+      </p:sp>
+      <p:sp>
+        <p:nvSpPr>
+          <p:cNvPr id="39" name="PlaceHolder 2"/>
           <p:cNvSpPr>
             <a:spLocks noGrp="1"/>
           </p:cNvSpPr>
@@ -538,8 +542,8 @@
         </p:nvSpPr>
         <p:spPr>
           <a:xfrm>
-            <a:off x="457200" y="1600200"/>
-            <a:ext cx="8229240" cy="4525560"/>
+            <a:off x="457200" y="1604520"/>
+            <a:ext cx="8229240" cy="3977280"/>
           </a:xfrm>
           <a:prstGeom prst="rect">
             <a:avLst/>
@@ -577,7 +581,7 @@
       </p:grpSpPr>
       <p:sp>
         <p:nvSpPr>
-          <p:cNvPr id="46" name="PlaceHolder 1"/>
+          <p:cNvPr id="40" name="PlaceHolder 1"/>
           <p:cNvSpPr>
             <a:spLocks noGrp="1"/>
           </p:cNvSpPr>
@@ -587,8 +591,8 @@
         </p:nvSpPr>
         <p:spPr>
           <a:xfrm>
-            <a:off x="457200" y="274680"/>
-            <a:ext cx="8229240" cy="1142640"/>
+            <a:off x="457200" y="273600"/>
+            <a:ext cx="8229240" cy="1144800"/>
           </a:xfrm>
           <a:prstGeom prst="rect">
             <a:avLst/>
@@ -597,13 +601,14 @@
         <p:txBody>
           <a:bodyPr lIns="0" rIns="0" tIns="0" bIns="0" anchor="ctr"/>
           <a:p>
-            <a:endParaRPr/>
-          </a:p>
-        </p:txBody>
-      </p:sp>
-      <p:sp>
-        <p:nvSpPr>
-          <p:cNvPr id="47" name="PlaceHolder 2"/>
+            <a:pPr algn="ctr"/>
+            <a:endParaRPr/>
+          </a:p>
+        </p:txBody>
+      </p:sp>
+      <p:sp>
+        <p:nvSpPr>
+          <p:cNvPr id="41" name="PlaceHolder 2"/>
           <p:cNvSpPr>
             <a:spLocks noGrp="1"/>
           </p:cNvSpPr>
@@ -613,8 +618,8 @@
         </p:nvSpPr>
         <p:spPr>
           <a:xfrm>
-            <a:off x="457200" y="1600200"/>
-            <a:ext cx="8229240" cy="4525560"/>
+            <a:off x="457200" y="1604520"/>
+            <a:ext cx="8229240" cy="3977280"/>
           </a:xfrm>
           <a:prstGeom prst="rect">
             <a:avLst/>
@@ -651,7 +656,7 @@
       </p:grpSpPr>
       <p:sp>
         <p:nvSpPr>
-          <p:cNvPr id="48" name="PlaceHolder 1"/>
+          <p:cNvPr id="42" name="PlaceHolder 1"/>
           <p:cNvSpPr>
             <a:spLocks noGrp="1"/>
           </p:cNvSpPr>
@@ -661,8 +666,8 @@
         </p:nvSpPr>
         <p:spPr>
           <a:xfrm>
-            <a:off x="457200" y="274680"/>
-            <a:ext cx="8229240" cy="1142640"/>
+            <a:off x="457200" y="273600"/>
+            <a:ext cx="8229240" cy="1144800"/>
           </a:xfrm>
           <a:prstGeom prst="rect">
             <a:avLst/>
@@ -671,13 +676,14 @@
         <p:txBody>
           <a:bodyPr lIns="0" rIns="0" tIns="0" bIns="0" anchor="ctr"/>
           <a:p>
-            <a:endParaRPr/>
-          </a:p>
-        </p:txBody>
-      </p:sp>
-      <p:sp>
-        <p:nvSpPr>
-          <p:cNvPr id="49" name="PlaceHolder 2"/>
+            <a:pPr algn="ctr"/>
+            <a:endParaRPr/>
+          </a:p>
+        </p:txBody>
+      </p:sp>
+      <p:sp>
+        <p:nvSpPr>
+          <p:cNvPr id="43" name="PlaceHolder 2"/>
           <p:cNvSpPr>
             <a:spLocks noGrp="1"/>
           </p:cNvSpPr>
@@ -687,8 +693,8 @@
         </p:nvSpPr>
         <p:spPr>
           <a:xfrm>
-            <a:off x="457200" y="1600200"/>
-            <a:ext cx="4015800" cy="4525560"/>
+            <a:off x="457200" y="1604520"/>
+            <a:ext cx="4015800" cy="3977280"/>
           </a:xfrm>
           <a:prstGeom prst="rect">
             <a:avLst/>
@@ -703,7 +709,7 @@
       </p:sp>
       <p:sp>
         <p:nvSpPr>
-          <p:cNvPr id="50" name="PlaceHolder 3"/>
+          <p:cNvPr id="44" name="PlaceHolder 3"/>
           <p:cNvSpPr>
             <a:spLocks noGrp="1"/>
           </p:cNvSpPr>
@@ -713,8 +719,8 @@
         </p:nvSpPr>
         <p:spPr>
           <a:xfrm>
-            <a:off x="4674240" y="1600200"/>
-            <a:ext cx="4015800" cy="4525560"/>
+            <a:off x="4674240" y="1604520"/>
+            <a:ext cx="4015800" cy="3977280"/>
           </a:xfrm>
           <a:prstGeom prst="rect">
             <a:avLst/>
@@ -751,7 +757,7 @@
       </p:grpSpPr>
       <p:sp>
         <p:nvSpPr>
-          <p:cNvPr id="51" name="PlaceHolder 1"/>
+          <p:cNvPr id="45" name="PlaceHolder 1"/>
           <p:cNvSpPr>
             <a:spLocks noGrp="1"/>
           </p:cNvSpPr>
@@ -761,8 +767,8 @@
         </p:nvSpPr>
         <p:spPr>
           <a:xfrm>
-            <a:off x="457200" y="274680"/>
-            <a:ext cx="8229240" cy="1142640"/>
+            <a:off x="457200" y="273600"/>
+            <a:ext cx="8229240" cy="1144800"/>
           </a:xfrm>
           <a:prstGeom prst="rect">
             <a:avLst/>
@@ -771,6 +777,7 @@
         <p:txBody>
           <a:bodyPr lIns="0" rIns="0" tIns="0" bIns="0" anchor="ctr"/>
           <a:p>
+            <a:pPr algn="ctr"/>
             <a:endParaRPr/>
           </a:p>
         </p:txBody>
@@ -799,7 +806,7 @@
       </p:grpSpPr>
       <p:sp>
         <p:nvSpPr>
-          <p:cNvPr id="52" name="PlaceHolder 1"/>
+          <p:cNvPr id="46" name="PlaceHolder 1"/>
           <p:cNvSpPr>
             <a:spLocks noGrp="1"/>
           </p:cNvSpPr>
@@ -809,8 +816,8 @@
         </p:nvSpPr>
         <p:spPr>
           <a:xfrm>
-            <a:off x="457200" y="274680"/>
-            <a:ext cx="8229240" cy="5297760"/>
+            <a:off x="457200" y="273600"/>
+            <a:ext cx="8229240" cy="5307840"/>
           </a:xfrm>
           <a:prstGeom prst="rect">
             <a:avLst/>
@@ -848,7 +855,7 @@
       </p:grpSpPr>
       <p:sp>
         <p:nvSpPr>
-          <p:cNvPr id="53" name="PlaceHolder 1"/>
+          <p:cNvPr id="47" name="PlaceHolder 1"/>
           <p:cNvSpPr>
             <a:spLocks noGrp="1"/>
           </p:cNvSpPr>
@@ -858,8 +865,8 @@
         </p:nvSpPr>
         <p:spPr>
           <a:xfrm>
-            <a:off x="457200" y="274680"/>
-            <a:ext cx="8229240" cy="1142640"/>
+            <a:off x="457200" y="273600"/>
+            <a:ext cx="8229240" cy="1144800"/>
           </a:xfrm>
           <a:prstGeom prst="rect">
             <a:avLst/>
@@ -868,13 +875,14 @@
         <p:txBody>
           <a:bodyPr lIns="0" rIns="0" tIns="0" bIns="0" anchor="ctr"/>
           <a:p>
-            <a:endParaRPr/>
-          </a:p>
-        </p:txBody>
-      </p:sp>
-      <p:sp>
-        <p:nvSpPr>
-          <p:cNvPr id="54" name="PlaceHolder 2"/>
+            <a:pPr algn="ctr"/>
+            <a:endParaRPr/>
+          </a:p>
+        </p:txBody>
+      </p:sp>
+      <p:sp>
+        <p:nvSpPr>
+          <p:cNvPr id="48" name="PlaceHolder 2"/>
           <p:cNvSpPr>
             <a:spLocks noGrp="1"/>
           </p:cNvSpPr>
@@ -884,8 +892,8 @@
         </p:nvSpPr>
         <p:spPr>
           <a:xfrm>
-            <a:off x="457200" y="1600200"/>
-            <a:ext cx="4015800" cy="2158560"/>
+            <a:off x="457200" y="1604520"/>
+            <a:ext cx="4015800" cy="1896840"/>
           </a:xfrm>
           <a:prstGeom prst="rect">
             <a:avLst/>
@@ -900,7 +908,7 @@
       </p:sp>
       <p:sp>
         <p:nvSpPr>
-          <p:cNvPr id="55" name="PlaceHolder 3"/>
+          <p:cNvPr id="49" name="PlaceHolder 3"/>
           <p:cNvSpPr>
             <a:spLocks noGrp="1"/>
           </p:cNvSpPr>
@@ -910,8 +918,8 @@
         </p:nvSpPr>
         <p:spPr>
           <a:xfrm>
-            <a:off x="457200" y="3964320"/>
-            <a:ext cx="4015800" cy="2158560"/>
+            <a:off x="457200" y="3682080"/>
+            <a:ext cx="4015800" cy="1896840"/>
           </a:xfrm>
           <a:prstGeom prst="rect">
             <a:avLst/>
@@ -926,7 +934,7 @@
       </p:sp>
       <p:sp>
         <p:nvSpPr>
-          <p:cNvPr id="56" name="PlaceHolder 4"/>
+          <p:cNvPr id="50" name="PlaceHolder 4"/>
           <p:cNvSpPr>
             <a:spLocks noGrp="1"/>
           </p:cNvSpPr>
@@ -936,8 +944,8 @@
         </p:nvSpPr>
         <p:spPr>
           <a:xfrm>
-            <a:off x="4674240" y="1600200"/>
-            <a:ext cx="4015800" cy="4525560"/>
+            <a:off x="4674240" y="1604520"/>
+            <a:ext cx="4015800" cy="3977280"/>
           </a:xfrm>
           <a:prstGeom prst="rect">
             <a:avLst/>
@@ -974,7 +982,7 @@
       </p:grpSpPr>
       <p:sp>
         <p:nvSpPr>
-          <p:cNvPr id="5" name="PlaceHolder 1"/>
+          <p:cNvPr id="2" name="PlaceHolder 1"/>
           <p:cNvSpPr>
             <a:spLocks noGrp="1"/>
           </p:cNvSpPr>
@@ -984,8 +992,8 @@
         </p:nvSpPr>
         <p:spPr>
           <a:xfrm>
-            <a:off x="457200" y="274680"/>
-            <a:ext cx="8229240" cy="1142640"/>
+            <a:off x="457200" y="273600"/>
+            <a:ext cx="8229240" cy="1144800"/>
           </a:xfrm>
           <a:prstGeom prst="rect">
             <a:avLst/>
@@ -994,13 +1002,14 @@
         <p:txBody>
           <a:bodyPr lIns="0" rIns="0" tIns="0" bIns="0" anchor="ctr"/>
           <a:p>
-            <a:endParaRPr/>
-          </a:p>
-        </p:txBody>
-      </p:sp>
-      <p:sp>
-        <p:nvSpPr>
-          <p:cNvPr id="6" name="PlaceHolder 2"/>
+            <a:pPr algn="ctr"/>
+            <a:endParaRPr/>
+          </a:p>
+        </p:txBody>
+      </p:sp>
+      <p:sp>
+        <p:nvSpPr>
+          <p:cNvPr id="3" name="PlaceHolder 2"/>
           <p:cNvSpPr>
             <a:spLocks noGrp="1"/>
           </p:cNvSpPr>
@@ -1010,8 +1019,8 @@
         </p:nvSpPr>
         <p:spPr>
           <a:xfrm>
-            <a:off x="457200" y="1600200"/>
-            <a:ext cx="8229240" cy="4525560"/>
+            <a:off x="457200" y="1604520"/>
+            <a:ext cx="8229240" cy="3977280"/>
           </a:xfrm>
           <a:prstGeom prst="rect">
             <a:avLst/>
@@ -1049,7 +1058,7 @@
       </p:grpSpPr>
       <p:sp>
         <p:nvSpPr>
-          <p:cNvPr id="57" name="PlaceHolder 1"/>
+          <p:cNvPr id="51" name="PlaceHolder 1"/>
           <p:cNvSpPr>
             <a:spLocks noGrp="1"/>
           </p:cNvSpPr>
@@ -1059,8 +1068,8 @@
         </p:nvSpPr>
         <p:spPr>
           <a:xfrm>
-            <a:off x="457200" y="274680"/>
-            <a:ext cx="8229240" cy="1142640"/>
+            <a:off x="457200" y="273600"/>
+            <a:ext cx="8229240" cy="1144800"/>
           </a:xfrm>
           <a:prstGeom prst="rect">
             <a:avLst/>
@@ -1069,13 +1078,14 @@
         <p:txBody>
           <a:bodyPr lIns="0" rIns="0" tIns="0" bIns="0" anchor="ctr"/>
           <a:p>
-            <a:endParaRPr/>
-          </a:p>
-        </p:txBody>
-      </p:sp>
-      <p:sp>
-        <p:nvSpPr>
-          <p:cNvPr id="58" name="PlaceHolder 2"/>
+            <a:pPr algn="ctr"/>
+            <a:endParaRPr/>
+          </a:p>
+        </p:txBody>
+      </p:sp>
+      <p:sp>
+        <p:nvSpPr>
+          <p:cNvPr id="52" name="PlaceHolder 2"/>
           <p:cNvSpPr>
             <a:spLocks noGrp="1"/>
           </p:cNvSpPr>
@@ -1085,8 +1095,8 @@
         </p:nvSpPr>
         <p:spPr>
           <a:xfrm>
-            <a:off x="457200" y="1600200"/>
-            <a:ext cx="4015800" cy="4525560"/>
+            <a:off x="457200" y="1604520"/>
+            <a:ext cx="4015800" cy="3977280"/>
           </a:xfrm>
           <a:prstGeom prst="rect">
             <a:avLst/>
@@ -1101,7 +1111,7 @@
       </p:sp>
       <p:sp>
         <p:nvSpPr>
-          <p:cNvPr id="59" name="PlaceHolder 3"/>
+          <p:cNvPr id="53" name="PlaceHolder 3"/>
           <p:cNvSpPr>
             <a:spLocks noGrp="1"/>
           </p:cNvSpPr>
@@ -1111,8 +1121,8 @@
         </p:nvSpPr>
         <p:spPr>
           <a:xfrm>
-            <a:off x="4674240" y="1600200"/>
-            <a:ext cx="4015800" cy="2158560"/>
+            <a:off x="4674240" y="1604520"/>
+            <a:ext cx="4015800" cy="1896840"/>
           </a:xfrm>
           <a:prstGeom prst="rect">
             <a:avLst/>
@@ -1127,7 +1137,7 @@
       </p:sp>
       <p:sp>
         <p:nvSpPr>
-          <p:cNvPr id="60" name="PlaceHolder 4"/>
+          <p:cNvPr id="54" name="PlaceHolder 4"/>
           <p:cNvSpPr>
             <a:spLocks noGrp="1"/>
           </p:cNvSpPr>
@@ -1137,8 +1147,8 @@
         </p:nvSpPr>
         <p:spPr>
           <a:xfrm>
-            <a:off x="4674240" y="3964320"/>
-            <a:ext cx="4015800" cy="2158560"/>
+            <a:off x="4674240" y="3682080"/>
+            <a:ext cx="4015800" cy="1896840"/>
           </a:xfrm>
           <a:prstGeom prst="rect">
             <a:avLst/>
@@ -1175,7 +1185,7 @@
       </p:grpSpPr>
       <p:sp>
         <p:nvSpPr>
-          <p:cNvPr id="61" name="PlaceHolder 1"/>
+          <p:cNvPr id="55" name="PlaceHolder 1"/>
           <p:cNvSpPr>
             <a:spLocks noGrp="1"/>
           </p:cNvSpPr>
@@ -1185,8 +1195,8 @@
         </p:nvSpPr>
         <p:spPr>
           <a:xfrm>
-            <a:off x="457200" y="274680"/>
-            <a:ext cx="8229240" cy="1142640"/>
+            <a:off x="457200" y="273600"/>
+            <a:ext cx="8229240" cy="1144800"/>
           </a:xfrm>
           <a:prstGeom prst="rect">
             <a:avLst/>
@@ -1195,13 +1205,14 @@
         <p:txBody>
           <a:bodyPr lIns="0" rIns="0" tIns="0" bIns="0" anchor="ctr"/>
           <a:p>
-            <a:endParaRPr/>
-          </a:p>
-        </p:txBody>
-      </p:sp>
-      <p:sp>
-        <p:nvSpPr>
-          <p:cNvPr id="62" name="PlaceHolder 2"/>
+            <a:pPr algn="ctr"/>
+            <a:endParaRPr/>
+          </a:p>
+        </p:txBody>
+      </p:sp>
+      <p:sp>
+        <p:nvSpPr>
+          <p:cNvPr id="56" name="PlaceHolder 2"/>
           <p:cNvSpPr>
             <a:spLocks noGrp="1"/>
           </p:cNvSpPr>
@@ -1211,8 +1222,8 @@
         </p:nvSpPr>
         <p:spPr>
           <a:xfrm>
-            <a:off x="457200" y="1600200"/>
-            <a:ext cx="4015800" cy="2158560"/>
+            <a:off x="457200" y="1604520"/>
+            <a:ext cx="4015800" cy="1896840"/>
           </a:xfrm>
           <a:prstGeom prst="rect">
             <a:avLst/>
@@ -1227,7 +1238,7 @@
       </p:sp>
       <p:sp>
         <p:nvSpPr>
-          <p:cNvPr id="63" name="PlaceHolder 3"/>
+          <p:cNvPr id="57" name="PlaceHolder 3"/>
           <p:cNvSpPr>
             <a:spLocks noGrp="1"/>
           </p:cNvSpPr>
@@ -1237,8 +1248,8 @@
         </p:nvSpPr>
         <p:spPr>
           <a:xfrm>
-            <a:off x="4674240" y="1600200"/>
-            <a:ext cx="4015800" cy="2158560"/>
+            <a:off x="4674240" y="1604520"/>
+            <a:ext cx="4015800" cy="1896840"/>
           </a:xfrm>
           <a:prstGeom prst="rect">
             <a:avLst/>
@@ -1253,7 +1264,7 @@
       </p:sp>
       <p:sp>
         <p:nvSpPr>
-          <p:cNvPr id="64" name="PlaceHolder 4"/>
+          <p:cNvPr id="58" name="PlaceHolder 4"/>
           <p:cNvSpPr>
             <a:spLocks noGrp="1"/>
           </p:cNvSpPr>
@@ -1263,8 +1274,8 @@
         </p:nvSpPr>
         <p:spPr>
           <a:xfrm>
-            <a:off x="457200" y="3964320"/>
-            <a:ext cx="8229240" cy="2158560"/>
+            <a:off x="457200" y="3682080"/>
+            <a:ext cx="8229240" cy="1896840"/>
           </a:xfrm>
           <a:prstGeom prst="rect">
             <a:avLst/>
@@ -1301,7 +1312,7 @@
       </p:grpSpPr>
       <p:sp>
         <p:nvSpPr>
-          <p:cNvPr id="65" name="PlaceHolder 1"/>
+          <p:cNvPr id="59" name="PlaceHolder 1"/>
           <p:cNvSpPr>
             <a:spLocks noGrp="1"/>
           </p:cNvSpPr>
@@ -1311,8 +1322,8 @@
         </p:nvSpPr>
         <p:spPr>
           <a:xfrm>
-            <a:off x="457200" y="274680"/>
-            <a:ext cx="8229240" cy="1142640"/>
+            <a:off x="457200" y="273600"/>
+            <a:ext cx="8229240" cy="1144800"/>
           </a:xfrm>
           <a:prstGeom prst="rect">
             <a:avLst/>
@@ -1321,13 +1332,14 @@
         <p:txBody>
           <a:bodyPr lIns="0" rIns="0" tIns="0" bIns="0" anchor="ctr"/>
           <a:p>
-            <a:endParaRPr/>
-          </a:p>
-        </p:txBody>
-      </p:sp>
-      <p:sp>
-        <p:nvSpPr>
-          <p:cNvPr id="66" name="PlaceHolder 2"/>
+            <a:pPr algn="ctr"/>
+            <a:endParaRPr/>
+          </a:p>
+        </p:txBody>
+      </p:sp>
+      <p:sp>
+        <p:nvSpPr>
+          <p:cNvPr id="60" name="PlaceHolder 2"/>
           <p:cNvSpPr>
             <a:spLocks noGrp="1"/>
           </p:cNvSpPr>
@@ -1337,8 +1349,8 @@
         </p:nvSpPr>
         <p:spPr>
           <a:xfrm>
-            <a:off x="457200" y="1600200"/>
-            <a:ext cx="8229240" cy="2158560"/>
+            <a:off x="457200" y="1604520"/>
+            <a:ext cx="8229240" cy="1896840"/>
           </a:xfrm>
           <a:prstGeom prst="rect">
             <a:avLst/>
@@ -1353,7 +1365,7 @@
       </p:sp>
       <p:sp>
         <p:nvSpPr>
-          <p:cNvPr id="67" name="PlaceHolder 3"/>
+          <p:cNvPr id="61" name="PlaceHolder 3"/>
           <p:cNvSpPr>
             <a:spLocks noGrp="1"/>
           </p:cNvSpPr>
@@ -1363,8 +1375,8 @@
         </p:nvSpPr>
         <p:spPr>
           <a:xfrm>
-            <a:off x="457200" y="3964320"/>
-            <a:ext cx="8229240" cy="2158560"/>
+            <a:off x="457200" y="3682080"/>
+            <a:ext cx="8229240" cy="1896840"/>
           </a:xfrm>
           <a:prstGeom prst="rect">
             <a:avLst/>
@@ -1401,7 +1413,7 @@
       </p:grpSpPr>
       <p:sp>
         <p:nvSpPr>
-          <p:cNvPr id="68" name="PlaceHolder 1"/>
+          <p:cNvPr id="62" name="PlaceHolder 1"/>
           <p:cNvSpPr>
             <a:spLocks noGrp="1"/>
           </p:cNvSpPr>
@@ -1411,8 +1423,8 @@
         </p:nvSpPr>
         <p:spPr>
           <a:xfrm>
-            <a:off x="457200" y="274680"/>
-            <a:ext cx="8229240" cy="1142640"/>
+            <a:off x="457200" y="273600"/>
+            <a:ext cx="8229240" cy="1144800"/>
           </a:xfrm>
           <a:prstGeom prst="rect">
             <a:avLst/>
@@ -1421,13 +1433,14 @@
         <p:txBody>
           <a:bodyPr lIns="0" rIns="0" tIns="0" bIns="0" anchor="ctr"/>
           <a:p>
-            <a:endParaRPr/>
-          </a:p>
-        </p:txBody>
-      </p:sp>
-      <p:sp>
-        <p:nvSpPr>
-          <p:cNvPr id="69" name="PlaceHolder 2"/>
+            <a:pPr algn="ctr"/>
+            <a:endParaRPr/>
+          </a:p>
+        </p:txBody>
+      </p:sp>
+      <p:sp>
+        <p:nvSpPr>
+          <p:cNvPr id="63" name="PlaceHolder 2"/>
           <p:cNvSpPr>
             <a:spLocks noGrp="1"/>
           </p:cNvSpPr>
@@ -1437,8 +1450,8 @@
         </p:nvSpPr>
         <p:spPr>
           <a:xfrm>
-            <a:off x="457200" y="1600200"/>
-            <a:ext cx="4015800" cy="2158560"/>
+            <a:off x="457200" y="1604520"/>
+            <a:ext cx="4015800" cy="1896840"/>
           </a:xfrm>
           <a:prstGeom prst="rect">
             <a:avLst/>
@@ -1453,7 +1466,7 @@
       </p:sp>
       <p:sp>
         <p:nvSpPr>
-          <p:cNvPr id="70" name="PlaceHolder 3"/>
+          <p:cNvPr id="64" name="PlaceHolder 3"/>
           <p:cNvSpPr>
             <a:spLocks noGrp="1"/>
           </p:cNvSpPr>
@@ -1463,8 +1476,8 @@
         </p:nvSpPr>
         <p:spPr>
           <a:xfrm>
-            <a:off x="4674240" y="1600200"/>
-            <a:ext cx="4015800" cy="2158560"/>
+            <a:off x="4674240" y="1604520"/>
+            <a:ext cx="4015800" cy="1896840"/>
           </a:xfrm>
           <a:prstGeom prst="rect">
             <a:avLst/>
@@ -1479,7 +1492,7 @@
       </p:sp>
       <p:sp>
         <p:nvSpPr>
-          <p:cNvPr id="71" name="PlaceHolder 4"/>
+          <p:cNvPr id="65" name="PlaceHolder 4"/>
           <p:cNvSpPr>
             <a:spLocks noGrp="1"/>
           </p:cNvSpPr>
@@ -1489,8 +1502,8 @@
         </p:nvSpPr>
         <p:spPr>
           <a:xfrm>
-            <a:off x="4674240" y="3964320"/>
-            <a:ext cx="4015800" cy="2158560"/>
+            <a:off x="4674240" y="3682080"/>
+            <a:ext cx="4015800" cy="1896840"/>
           </a:xfrm>
           <a:prstGeom prst="rect">
             <a:avLst/>
@@ -1505,7 +1518,7 @@
       </p:sp>
       <p:sp>
         <p:nvSpPr>
-          <p:cNvPr id="72" name="PlaceHolder 5"/>
+          <p:cNvPr id="66" name="PlaceHolder 5"/>
           <p:cNvSpPr>
             <a:spLocks noGrp="1"/>
           </p:cNvSpPr>
@@ -1515,8 +1528,8 @@
         </p:nvSpPr>
         <p:spPr>
           <a:xfrm>
-            <a:off x="457200" y="3964320"/>
-            <a:ext cx="4015800" cy="2158560"/>
+            <a:off x="457200" y="3682080"/>
+            <a:ext cx="4015800" cy="1896840"/>
           </a:xfrm>
           <a:prstGeom prst="rect">
             <a:avLst/>
@@ -1553,7 +1566,7 @@
       </p:grpSpPr>
       <p:sp>
         <p:nvSpPr>
-          <p:cNvPr id="73" name="PlaceHolder 1"/>
+          <p:cNvPr id="67" name="PlaceHolder 1"/>
           <p:cNvSpPr>
             <a:spLocks noGrp="1"/>
           </p:cNvSpPr>
@@ -1563,8 +1576,8 @@
         </p:nvSpPr>
         <p:spPr>
           <a:xfrm>
-            <a:off x="457200" y="274680"/>
-            <a:ext cx="8229240" cy="1142640"/>
+            <a:off x="457200" y="273600"/>
+            <a:ext cx="8229240" cy="1144800"/>
           </a:xfrm>
           <a:prstGeom prst="rect">
             <a:avLst/>
@@ -1573,13 +1586,14 @@
         <p:txBody>
           <a:bodyPr lIns="0" rIns="0" tIns="0" bIns="0" anchor="ctr"/>
           <a:p>
-            <a:endParaRPr/>
-          </a:p>
-        </p:txBody>
-      </p:sp>
-      <p:sp>
-        <p:nvSpPr>
-          <p:cNvPr id="74" name="PlaceHolder 2"/>
+            <a:pPr algn="ctr"/>
+            <a:endParaRPr/>
+          </a:p>
+        </p:txBody>
+      </p:sp>
+      <p:sp>
+        <p:nvSpPr>
+          <p:cNvPr id="68" name="PlaceHolder 2"/>
           <p:cNvSpPr>
             <a:spLocks noGrp="1"/>
           </p:cNvSpPr>
@@ -1589,8 +1603,8 @@
         </p:nvSpPr>
         <p:spPr>
           <a:xfrm>
-            <a:off x="457200" y="1600200"/>
-            <a:ext cx="8229240" cy="4525560"/>
+            <a:off x="457200" y="1604520"/>
+            <a:ext cx="8229240" cy="3977280"/>
           </a:xfrm>
           <a:prstGeom prst="rect">
             <a:avLst/>
@@ -1605,7 +1619,7 @@
       </p:sp>
       <p:sp>
         <p:nvSpPr>
-          <p:cNvPr id="75" name="PlaceHolder 3"/>
+          <p:cNvPr id="69" name="PlaceHolder 3"/>
           <p:cNvSpPr>
             <a:spLocks noGrp="1"/>
           </p:cNvSpPr>
@@ -1615,8 +1629,8 @@
         </p:nvSpPr>
         <p:spPr>
           <a:xfrm>
-            <a:off x="457200" y="1600200"/>
-            <a:ext cx="8229240" cy="4525560"/>
+            <a:off x="457200" y="1604520"/>
+            <a:ext cx="8229240" cy="3977280"/>
           </a:xfrm>
           <a:prstGeom prst="rect">
             <a:avLst/>
@@ -1631,7 +1645,7 @@
       </p:sp>
       <p:pic>
         <p:nvPicPr>
-          <p:cNvPr id="76" name="" descr=""/>
+          <p:cNvPr id="70" name="" descr=""/>
           <p:cNvPicPr/>
           <p:nvPr/>
         </p:nvPicPr>
@@ -1641,8 +1655,8 @@
         </p:blipFill>
         <p:spPr>
           <a:xfrm>
-            <a:off x="1735560" y="1599840"/>
-            <a:ext cx="5671800" cy="4525560"/>
+            <a:off x="2079000" y="1604520"/>
+            <a:ext cx="4984920" cy="3977280"/>
           </a:xfrm>
           <a:prstGeom prst="rect">
             <a:avLst/>
@@ -1654,7 +1668,7 @@
       </p:pic>
       <p:pic>
         <p:nvPicPr>
-          <p:cNvPr id="77" name="" descr=""/>
+          <p:cNvPr id="71" name="" descr=""/>
           <p:cNvPicPr/>
           <p:nvPr/>
         </p:nvPicPr>
@@ -1664,8 +1678,8 @@
         </p:blipFill>
         <p:spPr>
           <a:xfrm>
-            <a:off x="1735560" y="1599840"/>
-            <a:ext cx="5671800" cy="4525560"/>
+            <a:off x="2079000" y="1604520"/>
+            <a:ext cx="4984920" cy="3977280"/>
           </a:xfrm>
           <a:prstGeom prst="rect">
             <a:avLst/>
@@ -1699,7 +1713,7 @@
       </p:grpSpPr>
       <p:sp>
         <p:nvSpPr>
-          <p:cNvPr id="7" name="PlaceHolder 1"/>
+          <p:cNvPr id="4" name="PlaceHolder 1"/>
           <p:cNvSpPr>
             <a:spLocks noGrp="1"/>
           </p:cNvSpPr>
@@ -1709,8 +1723,8 @@
         </p:nvSpPr>
         <p:spPr>
           <a:xfrm>
-            <a:off x="457200" y="274680"/>
-            <a:ext cx="8229240" cy="1142640"/>
+            <a:off x="457200" y="273600"/>
+            <a:ext cx="8229240" cy="1144800"/>
           </a:xfrm>
           <a:prstGeom prst="rect">
             <a:avLst/>
@@ -1719,13 +1733,14 @@
         <p:txBody>
           <a:bodyPr lIns="0" rIns="0" tIns="0" bIns="0" anchor="ctr"/>
           <a:p>
-            <a:endParaRPr/>
-          </a:p>
-        </p:txBody>
-      </p:sp>
-      <p:sp>
-        <p:nvSpPr>
-          <p:cNvPr id="8" name="PlaceHolder 2"/>
+            <a:pPr algn="ctr"/>
+            <a:endParaRPr/>
+          </a:p>
+        </p:txBody>
+      </p:sp>
+      <p:sp>
+        <p:nvSpPr>
+          <p:cNvPr id="5" name="PlaceHolder 2"/>
           <p:cNvSpPr>
             <a:spLocks noGrp="1"/>
           </p:cNvSpPr>
@@ -1735,8 +1750,8 @@
         </p:nvSpPr>
         <p:spPr>
           <a:xfrm>
-            <a:off x="457200" y="1600200"/>
-            <a:ext cx="8229240" cy="4525560"/>
+            <a:off x="457200" y="1604520"/>
+            <a:ext cx="8229240" cy="3977280"/>
           </a:xfrm>
           <a:prstGeom prst="rect">
             <a:avLst/>
@@ -1773,7 +1788,7 @@
       </p:grpSpPr>
       <p:sp>
         <p:nvSpPr>
-          <p:cNvPr id="9" name="PlaceHolder 1"/>
+          <p:cNvPr id="6" name="PlaceHolder 1"/>
           <p:cNvSpPr>
             <a:spLocks noGrp="1"/>
           </p:cNvSpPr>
@@ -1783,8 +1798,8 @@
         </p:nvSpPr>
         <p:spPr>
           <a:xfrm>
-            <a:off x="457200" y="274680"/>
-            <a:ext cx="8229240" cy="1142640"/>
+            <a:off x="457200" y="273600"/>
+            <a:ext cx="8229240" cy="1144800"/>
           </a:xfrm>
           <a:prstGeom prst="rect">
             <a:avLst/>
@@ -1793,13 +1808,14 @@
         <p:txBody>
           <a:bodyPr lIns="0" rIns="0" tIns="0" bIns="0" anchor="ctr"/>
           <a:p>
-            <a:endParaRPr/>
-          </a:p>
-        </p:txBody>
-      </p:sp>
-      <p:sp>
-        <p:nvSpPr>
-          <p:cNvPr id="10" name="PlaceHolder 2"/>
+            <a:pPr algn="ctr"/>
+            <a:endParaRPr/>
+          </a:p>
+        </p:txBody>
+      </p:sp>
+      <p:sp>
+        <p:nvSpPr>
+          <p:cNvPr id="7" name="PlaceHolder 2"/>
           <p:cNvSpPr>
             <a:spLocks noGrp="1"/>
           </p:cNvSpPr>
@@ -1809,8 +1825,8 @@
         </p:nvSpPr>
         <p:spPr>
           <a:xfrm>
-            <a:off x="457200" y="1600200"/>
-            <a:ext cx="4015800" cy="4525560"/>
+            <a:off x="457200" y="1604520"/>
+            <a:ext cx="4015800" cy="3977280"/>
           </a:xfrm>
           <a:prstGeom prst="rect">
             <a:avLst/>
@@ -1825,7 +1841,7 @@
       </p:sp>
       <p:sp>
         <p:nvSpPr>
-          <p:cNvPr id="11" name="PlaceHolder 3"/>
+          <p:cNvPr id="8" name="PlaceHolder 3"/>
           <p:cNvSpPr>
             <a:spLocks noGrp="1"/>
           </p:cNvSpPr>
@@ -1835,8 +1851,8 @@
         </p:nvSpPr>
         <p:spPr>
           <a:xfrm>
-            <a:off x="4674240" y="1600200"/>
-            <a:ext cx="4015800" cy="4525560"/>
+            <a:off x="4674240" y="1604520"/>
+            <a:ext cx="4015800" cy="3977280"/>
           </a:xfrm>
           <a:prstGeom prst="rect">
             <a:avLst/>
@@ -1873,7 +1889,7 @@
       </p:grpSpPr>
       <p:sp>
         <p:nvSpPr>
-          <p:cNvPr id="12" name="PlaceHolder 1"/>
+          <p:cNvPr id="9" name="PlaceHolder 1"/>
           <p:cNvSpPr>
             <a:spLocks noGrp="1"/>
           </p:cNvSpPr>
@@ -1883,8 +1899,8 @@
         </p:nvSpPr>
         <p:spPr>
           <a:xfrm>
-            <a:off x="457200" y="274680"/>
-            <a:ext cx="8229240" cy="1142640"/>
+            <a:off x="457200" y="273600"/>
+            <a:ext cx="8229240" cy="1144800"/>
           </a:xfrm>
           <a:prstGeom prst="rect">
             <a:avLst/>
@@ -1893,6 +1909,7 @@
         <p:txBody>
           <a:bodyPr lIns="0" rIns="0" tIns="0" bIns="0" anchor="ctr"/>
           <a:p>
+            <a:pPr algn="ctr"/>
             <a:endParaRPr/>
           </a:p>
         </p:txBody>
@@ -1921,7 +1938,7 @@
       </p:grpSpPr>
       <p:sp>
         <p:nvSpPr>
-          <p:cNvPr id="13" name="PlaceHolder 1"/>
+          <p:cNvPr id="10" name="PlaceHolder 1"/>
           <p:cNvSpPr>
             <a:spLocks noGrp="1"/>
           </p:cNvSpPr>
@@ -1931,8 +1948,8 @@
         </p:nvSpPr>
         <p:spPr>
           <a:xfrm>
-            <a:off x="457200" y="274680"/>
-            <a:ext cx="8229240" cy="5297760"/>
+            <a:off x="457200" y="273600"/>
+            <a:ext cx="8229240" cy="5307840"/>
           </a:xfrm>
           <a:prstGeom prst="rect">
             <a:avLst/>
@@ -1970,7 +1987,7 @@
       </p:grpSpPr>
       <p:sp>
         <p:nvSpPr>
-          <p:cNvPr id="14" name="PlaceHolder 1"/>
+          <p:cNvPr id="11" name="PlaceHolder 1"/>
           <p:cNvSpPr>
             <a:spLocks noGrp="1"/>
           </p:cNvSpPr>
@@ -1980,8 +1997,8 @@
         </p:nvSpPr>
         <p:spPr>
           <a:xfrm>
-            <a:off x="457200" y="274680"/>
-            <a:ext cx="8229240" cy="1142640"/>
+            <a:off x="457200" y="273600"/>
+            <a:ext cx="8229240" cy="1144800"/>
           </a:xfrm>
           <a:prstGeom prst="rect">
             <a:avLst/>
@@ -1990,13 +2007,14 @@
         <p:txBody>
           <a:bodyPr lIns="0" rIns="0" tIns="0" bIns="0" anchor="ctr"/>
           <a:p>
-            <a:endParaRPr/>
-          </a:p>
-        </p:txBody>
-      </p:sp>
-      <p:sp>
-        <p:nvSpPr>
-          <p:cNvPr id="15" name="PlaceHolder 2"/>
+            <a:pPr algn="ctr"/>
+            <a:endParaRPr/>
+          </a:p>
+        </p:txBody>
+      </p:sp>
+      <p:sp>
+        <p:nvSpPr>
+          <p:cNvPr id="12" name="PlaceHolder 2"/>
           <p:cNvSpPr>
             <a:spLocks noGrp="1"/>
           </p:cNvSpPr>
@@ -2006,8 +2024,8 @@
         </p:nvSpPr>
         <p:spPr>
           <a:xfrm>
-            <a:off x="457200" y="1600200"/>
-            <a:ext cx="4015800" cy="2158560"/>
+            <a:off x="457200" y="1604520"/>
+            <a:ext cx="4015800" cy="1896840"/>
           </a:xfrm>
           <a:prstGeom prst="rect">
             <a:avLst/>
@@ -2022,7 +2040,7 @@
       </p:sp>
       <p:sp>
         <p:nvSpPr>
-          <p:cNvPr id="16" name="PlaceHolder 3"/>
+          <p:cNvPr id="13" name="PlaceHolder 3"/>
           <p:cNvSpPr>
             <a:spLocks noGrp="1"/>
           </p:cNvSpPr>
@@ -2032,8 +2050,8 @@
         </p:nvSpPr>
         <p:spPr>
           <a:xfrm>
-            <a:off x="457200" y="3964320"/>
-            <a:ext cx="4015800" cy="2158560"/>
+            <a:off x="457200" y="3682080"/>
+            <a:ext cx="4015800" cy="1896840"/>
           </a:xfrm>
           <a:prstGeom prst="rect">
             <a:avLst/>
@@ -2048,7 +2066,7 @@
       </p:sp>
       <p:sp>
         <p:nvSpPr>
-          <p:cNvPr id="17" name="PlaceHolder 4"/>
+          <p:cNvPr id="14" name="PlaceHolder 4"/>
           <p:cNvSpPr>
             <a:spLocks noGrp="1"/>
           </p:cNvSpPr>
@@ -2058,8 +2076,8 @@
         </p:nvSpPr>
         <p:spPr>
           <a:xfrm>
-            <a:off x="4674240" y="1600200"/>
-            <a:ext cx="4015800" cy="4525560"/>
+            <a:off x="4674240" y="1604520"/>
+            <a:ext cx="4015800" cy="3977280"/>
           </a:xfrm>
           <a:prstGeom prst="rect">
             <a:avLst/>
@@ -2096,7 +2114,7 @@
       </p:grpSpPr>
       <p:sp>
         <p:nvSpPr>
-          <p:cNvPr id="18" name="PlaceHolder 1"/>
+          <p:cNvPr id="15" name="PlaceHolder 1"/>
           <p:cNvSpPr>
             <a:spLocks noGrp="1"/>
           </p:cNvSpPr>
@@ -2106,8 +2124,8 @@
         </p:nvSpPr>
         <p:spPr>
           <a:xfrm>
-            <a:off x="457200" y="274680"/>
-            <a:ext cx="8229240" cy="1142640"/>
+            <a:off x="457200" y="273600"/>
+            <a:ext cx="8229240" cy="1144800"/>
           </a:xfrm>
           <a:prstGeom prst="rect">
             <a:avLst/>
@@ -2116,13 +2134,14 @@
         <p:txBody>
           <a:bodyPr lIns="0" rIns="0" tIns="0" bIns="0" anchor="ctr"/>
           <a:p>
-            <a:endParaRPr/>
-          </a:p>
-        </p:txBody>
-      </p:sp>
-      <p:sp>
-        <p:nvSpPr>
-          <p:cNvPr id="19" name="PlaceHolder 2"/>
+            <a:pPr algn="ctr"/>
+            <a:endParaRPr/>
+          </a:p>
+        </p:txBody>
+      </p:sp>
+      <p:sp>
+        <p:nvSpPr>
+          <p:cNvPr id="16" name="PlaceHolder 2"/>
           <p:cNvSpPr>
             <a:spLocks noGrp="1"/>
           </p:cNvSpPr>
@@ -2132,8 +2151,8 @@
         </p:nvSpPr>
         <p:spPr>
           <a:xfrm>
-            <a:off x="457200" y="1600200"/>
-            <a:ext cx="4015800" cy="4525560"/>
+            <a:off x="457200" y="1604520"/>
+            <a:ext cx="4015800" cy="3977280"/>
           </a:xfrm>
           <a:prstGeom prst="rect">
             <a:avLst/>
@@ -2148,7 +2167,7 @@
       </p:sp>
       <p:sp>
         <p:nvSpPr>
-          <p:cNvPr id="20" name="PlaceHolder 3"/>
+          <p:cNvPr id="17" name="PlaceHolder 3"/>
           <p:cNvSpPr>
             <a:spLocks noGrp="1"/>
           </p:cNvSpPr>
@@ -2158,8 +2177,8 @@
         </p:nvSpPr>
         <p:spPr>
           <a:xfrm>
-            <a:off x="4674240" y="1600200"/>
-            <a:ext cx="4015800" cy="2158560"/>
+            <a:off x="4674240" y="1604520"/>
+            <a:ext cx="4015800" cy="1896840"/>
           </a:xfrm>
           <a:prstGeom prst="rect">
             <a:avLst/>
@@ -2174,7 +2193,7 @@
       </p:sp>
       <p:sp>
         <p:nvSpPr>
-          <p:cNvPr id="21" name="PlaceHolder 4"/>
+          <p:cNvPr id="18" name="PlaceHolder 4"/>
           <p:cNvSpPr>
             <a:spLocks noGrp="1"/>
           </p:cNvSpPr>
@@ -2184,8 +2203,8 @@
         </p:nvSpPr>
         <p:spPr>
           <a:xfrm>
-            <a:off x="4674240" y="3964320"/>
-            <a:ext cx="4015800" cy="2158560"/>
+            <a:off x="4674240" y="3682080"/>
+            <a:ext cx="4015800" cy="1896840"/>
           </a:xfrm>
           <a:prstGeom prst="rect">
             <a:avLst/>
@@ -2222,7 +2241,7 @@
       </p:grpSpPr>
       <p:sp>
         <p:nvSpPr>
-          <p:cNvPr id="22" name="PlaceHolder 1"/>
+          <p:cNvPr id="19" name="PlaceHolder 1"/>
           <p:cNvSpPr>
             <a:spLocks noGrp="1"/>
           </p:cNvSpPr>
@@ -2232,8 +2251,8 @@
         </p:nvSpPr>
         <p:spPr>
           <a:xfrm>
-            <a:off x="457200" y="274680"/>
-            <a:ext cx="8229240" cy="1142640"/>
+            <a:off x="457200" y="273600"/>
+            <a:ext cx="8229240" cy="1144800"/>
           </a:xfrm>
           <a:prstGeom prst="rect">
             <a:avLst/>
@@ -2242,13 +2261,14 @@
         <p:txBody>
           <a:bodyPr lIns="0" rIns="0" tIns="0" bIns="0" anchor="ctr"/>
           <a:p>
-            <a:endParaRPr/>
-          </a:p>
-        </p:txBody>
-      </p:sp>
-      <p:sp>
-        <p:nvSpPr>
-          <p:cNvPr id="23" name="PlaceHolder 2"/>
+            <a:pPr algn="ctr"/>
+            <a:endParaRPr/>
+          </a:p>
+        </p:txBody>
+      </p:sp>
+      <p:sp>
+        <p:nvSpPr>
+          <p:cNvPr id="20" name="PlaceHolder 2"/>
           <p:cNvSpPr>
             <a:spLocks noGrp="1"/>
           </p:cNvSpPr>
@@ -2258,8 +2278,8 @@
         </p:nvSpPr>
         <p:spPr>
           <a:xfrm>
-            <a:off x="457200" y="1600200"/>
-            <a:ext cx="4015800" cy="2158560"/>
+            <a:off x="457200" y="1604520"/>
+            <a:ext cx="4015800" cy="1896840"/>
           </a:xfrm>
           <a:prstGeom prst="rect">
             <a:avLst/>
@@ -2274,7 +2294,7 @@
       </p:sp>
       <p:sp>
         <p:nvSpPr>
-          <p:cNvPr id="24" name="PlaceHolder 3"/>
+          <p:cNvPr id="21" name="PlaceHolder 3"/>
           <p:cNvSpPr>
             <a:spLocks noGrp="1"/>
           </p:cNvSpPr>
@@ -2284,8 +2304,8 @@
         </p:nvSpPr>
         <p:spPr>
           <a:xfrm>
-            <a:off x="4674240" y="1600200"/>
-            <a:ext cx="4015800" cy="2158560"/>
+            <a:off x="4674240" y="1604520"/>
+            <a:ext cx="4015800" cy="1896840"/>
           </a:xfrm>
           <a:prstGeom prst="rect">
             <a:avLst/>
@@ -2300,7 +2320,7 @@
       </p:sp>
       <p:sp>
         <p:nvSpPr>
-          <p:cNvPr id="25" name="PlaceHolder 4"/>
+          <p:cNvPr id="22" name="PlaceHolder 4"/>
           <p:cNvSpPr>
             <a:spLocks noGrp="1"/>
           </p:cNvSpPr>
@@ -2310,8 +2330,8 @@
         </p:nvSpPr>
         <p:spPr>
           <a:xfrm>
-            <a:off x="457200" y="3964320"/>
-            <a:ext cx="8229240" cy="2158560"/>
+            <a:off x="457200" y="3682080"/>
+            <a:ext cx="8229240" cy="1896840"/>
           </a:xfrm>
           <a:prstGeom prst="rect">
             <a:avLst/>
@@ -2365,29 +2385,21 @@
         </p:nvSpPr>
         <p:spPr>
           <a:xfrm>
-            <a:off x="685800" y="2130480"/>
-            <a:ext cx="7772040" cy="1469520"/>
-          </a:xfrm>
-          <a:prstGeom prst="rect">
-            <a:avLst/>
-          </a:prstGeom>
-        </p:spPr>
-        <p:txBody>
-          <a:bodyPr anchor="ctr"/>
-          <a:p>
-            <a:pPr algn="ctr">
-              <a:lnSpc>
-                <a:spcPct val="100000"/>
-              </a:lnSpc>
-            </a:pPr>
-            <a:r>
-              <a:rPr lang="pt-BR" sz="4400" strike="noStrike">
-                <a:solidFill>
-                  <a:srgbClr val="000000"/>
-                </a:solidFill>
-                <a:latin typeface="Calibri"/>
-              </a:rPr>
-              <a:t>Click to edit the title text formatClique para editar o estilo do título mestre</a:t>
+            <a:off x="457200" y="274680"/>
+            <a:ext cx="8228880" cy="1142280"/>
+          </a:xfrm>
+          <a:prstGeom prst="rect">
+            <a:avLst/>
+          </a:prstGeom>
+        </p:spPr>
+        <p:txBody>
+          <a:bodyPr lIns="0" rIns="0" tIns="0" bIns="0" anchor="ctr"/>
+          <a:p>
+            <a:r>
+              <a:rPr lang="pt-BR">
+                <a:latin typeface="Arial"/>
+              </a:rPr>
+              <a:t>Click to edit the title text format</a:t>
             </a:r>
             <a:endParaRPr/>
           </a:p>
@@ -2396,112 +2408,6 @@
       <p:sp>
         <p:nvSpPr>
           <p:cNvPr id="1" name="PlaceHolder 2"/>
-          <p:cNvSpPr>
-            <a:spLocks noGrp="1"/>
-          </p:cNvSpPr>
-          <p:nvPr>
-            <p:ph type="dt"/>
-          </p:nvPr>
-        </p:nvSpPr>
-        <p:spPr>
-          <a:xfrm>
-            <a:off x="457200" y="6356520"/>
-            <a:ext cx="2133360" cy="364680"/>
-          </a:xfrm>
-          <a:prstGeom prst="rect">
-            <a:avLst/>
-          </a:prstGeom>
-        </p:spPr>
-        <p:txBody>
-          <a:bodyPr anchor="ctr"/>
-          <a:p>
-            <a:pPr>
-              <a:lnSpc>
-                <a:spcPct val="100000"/>
-              </a:lnSpc>
-            </a:pPr>
-            <a:r>
-              <a:rPr lang="en-US" sz="1200" strike="noStrike">
-                <a:solidFill>
-                  <a:srgbClr val="8b8b8b"/>
-                </a:solidFill>
-                <a:latin typeface="Calibri"/>
-              </a:rPr>
-              <a:t>2/29/16</a:t>
-            </a:r>
-            <a:endParaRPr/>
-          </a:p>
-        </p:txBody>
-      </p:sp>
-      <p:sp>
-        <p:nvSpPr>
-          <p:cNvPr id="2" name="PlaceHolder 3"/>
-          <p:cNvSpPr>
-            <a:spLocks noGrp="1"/>
-          </p:cNvSpPr>
-          <p:nvPr>
-            <p:ph type="ftr"/>
-          </p:nvPr>
-        </p:nvSpPr>
-        <p:spPr>
-          <a:xfrm>
-            <a:off x="3124080" y="6356520"/>
-            <a:ext cx="2895120" cy="364680"/>
-          </a:xfrm>
-          <a:prstGeom prst="rect">
-            <a:avLst/>
-          </a:prstGeom>
-        </p:spPr>
-        <p:txBody>
-          <a:bodyPr anchor="ctr"/>
-          <a:p>
-            <a:endParaRPr/>
-          </a:p>
-        </p:txBody>
-      </p:sp>
-      <p:sp>
-        <p:nvSpPr>
-          <p:cNvPr id="3" name="PlaceHolder 4"/>
-          <p:cNvSpPr>
-            <a:spLocks noGrp="1"/>
-          </p:cNvSpPr>
-          <p:nvPr>
-            <p:ph type="sldNum"/>
-          </p:nvPr>
-        </p:nvSpPr>
-        <p:spPr>
-          <a:xfrm>
-            <a:off x="6553080" y="6356520"/>
-            <a:ext cx="2133360" cy="364680"/>
-          </a:xfrm>
-          <a:prstGeom prst="rect">
-            <a:avLst/>
-          </a:prstGeom>
-        </p:spPr>
-        <p:txBody>
-          <a:bodyPr anchor="ctr"/>
-          <a:p>
-            <a:pPr algn="r">
-              <a:lnSpc>
-                <a:spcPct val="100000"/>
-              </a:lnSpc>
-            </a:pPr>
-            <a:fld id="{C9039687-B63D-436C-A542-0C2A972FC3D1}" type="slidenum">
-              <a:rPr lang="en-US" sz="1200" strike="noStrike">
-                <a:solidFill>
-                  <a:srgbClr val="8b8b8b"/>
-                </a:solidFill>
-                <a:latin typeface="Calibri"/>
-              </a:rPr>
-              <a:t>&lt;number&gt;</a:t>
-            </a:fld>
-            <a:endParaRPr/>
-          </a:p>
-        </p:txBody>
-      </p:sp>
-      <p:sp>
-        <p:nvSpPr>
-          <p:cNvPr id="4" name="PlaceHolder 5"/>
           <p:cNvSpPr>
             <a:spLocks noGrp="1"/>
           </p:cNvSpPr>
@@ -2528,7 +2434,7 @@
             </a:pPr>
             <a:r>
               <a:rPr lang="pt-BR" sz="3200">
-                <a:latin typeface="Calibri"/>
+                <a:latin typeface="Arial"/>
               </a:rPr>
               <a:t>Click to edit the outline text format</a:t>
             </a:r>
@@ -2541,8 +2447,8 @@
               <a:buChar char=""/>
             </a:pPr>
             <a:r>
-              <a:rPr lang="pt-BR" sz="2400">
-                <a:latin typeface="Calibri"/>
+              <a:rPr lang="pt-BR" sz="2800">
+                <a:latin typeface="Arial"/>
               </a:rPr>
               <a:t>Second Outline Level</a:t>
             </a:r>
@@ -2555,8 +2461,8 @@
               <a:buChar char=""/>
             </a:pPr>
             <a:r>
-              <a:rPr lang="pt-BR" sz="2000">
-                <a:latin typeface="Calibri"/>
+              <a:rPr lang="pt-BR" sz="2400">
+                <a:latin typeface="Arial"/>
               </a:rPr>
               <a:t>Third Outline Level</a:t>
             </a:r>
@@ -2570,7 +2476,7 @@
             </a:pPr>
             <a:r>
               <a:rPr lang="pt-BR" sz="2000">
-                <a:latin typeface="Calibri"/>
+                <a:latin typeface="Arial"/>
               </a:rPr>
               <a:t>Fourth Outline Level</a:t>
             </a:r>
@@ -2584,7 +2490,7 @@
             </a:pPr>
             <a:r>
               <a:rPr lang="pt-BR" sz="2000">
-                <a:latin typeface="Calibri"/>
+                <a:latin typeface="Arial"/>
               </a:rPr>
               <a:t>Fifth Outline Level</a:t>
             </a:r>
@@ -2598,7 +2504,7 @@
             </a:pPr>
             <a:r>
               <a:rPr lang="pt-BR" sz="2000">
-                <a:latin typeface="Calibri"/>
+                <a:latin typeface="Arial"/>
               </a:rPr>
               <a:t>Sixth Outline Level</a:t>
             </a:r>
@@ -2612,7 +2518,7 @@
             </a:pPr>
             <a:r>
               <a:rPr lang="pt-BR" sz="2000">
-                <a:latin typeface="Calibri"/>
+                <a:latin typeface="Arial"/>
               </a:rPr>
               <a:t>Seventh Outline Level</a:t>
             </a:r>
@@ -2666,7 +2572,7 @@
       </p:grpSpPr>
       <p:sp>
         <p:nvSpPr>
-          <p:cNvPr id="39" name="PlaceHolder 1"/>
+          <p:cNvPr id="36" name="PlaceHolder 1"/>
           <p:cNvSpPr>
             <a:spLocks noGrp="1"/>
           </p:cNvSpPr>
@@ -2676,37 +2582,30 @@
         </p:nvSpPr>
         <p:spPr>
           <a:xfrm>
-            <a:off x="457200" y="274680"/>
-            <a:ext cx="8229240" cy="1142640"/>
-          </a:xfrm>
-          <a:prstGeom prst="rect">
-            <a:avLst/>
-          </a:prstGeom>
-        </p:spPr>
-        <p:txBody>
-          <a:bodyPr anchor="ctr"/>
-          <a:p>
-            <a:pPr algn="ctr">
-              <a:lnSpc>
-                <a:spcPct val="100000"/>
-              </a:lnSpc>
-            </a:pPr>
-            <a:r>
-              <a:rPr lang="pt-BR" sz="4400" strike="noStrike">
-                <a:solidFill>
-                  <a:srgbClr val="000000"/>
-                </a:solidFill>
-                <a:latin typeface="Calibri"/>
-              </a:rPr>
-              <a:t>Click to edit the title text formatClique para editar o estilo do título mestre</a:t>
-            </a:r>
-            <a:endParaRPr/>
-          </a:p>
-        </p:txBody>
-      </p:sp>
-      <p:sp>
-        <p:nvSpPr>
-          <p:cNvPr id="40" name="PlaceHolder 2"/>
+            <a:off x="457200" y="273600"/>
+            <a:ext cx="8229240" cy="1144800"/>
+          </a:xfrm>
+          <a:prstGeom prst="rect">
+            <a:avLst/>
+          </a:prstGeom>
+        </p:spPr>
+        <p:txBody>
+          <a:bodyPr lIns="0" rIns="0" tIns="0" bIns="0" anchor="ctr"/>
+          <a:p>
+            <a:pPr algn="ctr"/>
+            <a:r>
+              <a:rPr lang="pt-BR" sz="4400">
+                <a:latin typeface="Arial"/>
+              </a:rPr>
+              <a:t>Click to edit the title text format</a:t>
+            </a:r>
+            <a:endParaRPr/>
+          </a:p>
+        </p:txBody>
+      </p:sp>
+      <p:sp>
+        <p:nvSpPr>
+          <p:cNvPr id="37" name="PlaceHolder 2"/>
           <p:cNvSpPr>
             <a:spLocks noGrp="1"/>
           </p:cNvSpPr>
@@ -2716,15 +2615,15 @@
         </p:nvSpPr>
         <p:spPr>
           <a:xfrm>
-            <a:off x="457200" y="1600200"/>
-            <a:ext cx="8229240" cy="4525560"/>
-          </a:xfrm>
-          <a:prstGeom prst="rect">
-            <a:avLst/>
-          </a:prstGeom>
-        </p:spPr>
-        <p:txBody>
-          <a:bodyPr/>
+            <a:off x="457200" y="1604520"/>
+            <a:ext cx="8229240" cy="3977280"/>
+          </a:xfrm>
+          <a:prstGeom prst="rect">
+            <a:avLst/>
+          </a:prstGeom>
+        </p:spPr>
+        <p:txBody>
+          <a:bodyPr lIns="0" rIns="0" tIns="0" bIns="0"/>
           <a:p>
             <a:pPr>
               <a:buSzPct val="45000"/>
@@ -2732,11 +2631,8 @@
               <a:buChar char=""/>
             </a:pPr>
             <a:r>
-              <a:rPr lang="pt-BR" sz="3200" strike="noStrike">
-                <a:solidFill>
-                  <a:srgbClr val="000000"/>
-                </a:solidFill>
-                <a:latin typeface="Calibri"/>
+              <a:rPr lang="pt-BR" sz="3200">
+                <a:latin typeface="Arial"/>
               </a:rPr>
               <a:t>Click to edit the outline text format</a:t>
             </a:r>
@@ -2749,11 +2645,8 @@
               <a:buChar char=""/>
             </a:pPr>
             <a:r>
-              <a:rPr lang="pt-BR" sz="3200" strike="noStrike">
-                <a:solidFill>
-                  <a:srgbClr val="000000"/>
-                </a:solidFill>
-                <a:latin typeface="Calibri"/>
+              <a:rPr lang="pt-BR" sz="2800">
+                <a:latin typeface="Arial"/>
               </a:rPr>
               <a:t>Second Outline Level</a:t>
             </a:r>
@@ -2766,11 +2659,8 @@
               <a:buChar char=""/>
             </a:pPr>
             <a:r>
-              <a:rPr lang="pt-BR" sz="3200" strike="noStrike">
-                <a:solidFill>
-                  <a:srgbClr val="000000"/>
-                </a:solidFill>
-                <a:latin typeface="Calibri"/>
+              <a:rPr lang="pt-BR" sz="2400">
+                <a:latin typeface="Arial"/>
               </a:rPr>
               <a:t>Third Outline Level</a:t>
             </a:r>
@@ -2783,11 +2673,8 @@
               <a:buChar char=""/>
             </a:pPr>
             <a:r>
-              <a:rPr lang="pt-BR" sz="3200" strike="noStrike">
-                <a:solidFill>
-                  <a:srgbClr val="000000"/>
-                </a:solidFill>
-                <a:latin typeface="Calibri"/>
+              <a:rPr lang="pt-BR" sz="2000">
+                <a:latin typeface="Arial"/>
               </a:rPr>
               <a:t>Fourth Outline Level</a:t>
             </a:r>
@@ -2800,11 +2687,8 @@
               <a:buChar char=""/>
             </a:pPr>
             <a:r>
-              <a:rPr lang="pt-BR" sz="3200" strike="noStrike">
-                <a:solidFill>
-                  <a:srgbClr val="000000"/>
-                </a:solidFill>
-                <a:latin typeface="Calibri"/>
+              <a:rPr lang="pt-BR" sz="2000">
+                <a:latin typeface="Arial"/>
               </a:rPr>
               <a:t>Fifth Outline Level</a:t>
             </a:r>
@@ -2817,215 +2701,25 @@
               <a:buChar char=""/>
             </a:pPr>
             <a:r>
-              <a:rPr lang="pt-BR" sz="3200" strike="noStrike">
-                <a:solidFill>
-                  <a:srgbClr val="000000"/>
-                </a:solidFill>
-                <a:latin typeface="Calibri"/>
+              <a:rPr lang="pt-BR" sz="2000">
+                <a:latin typeface="Arial"/>
               </a:rPr>
               <a:t>Sixth Outline Level</a:t>
             </a:r>
             <a:endParaRPr/>
           </a:p>
           <a:p>
-            <a:pPr>
-              <a:lnSpc>
-                <a:spcPct val="100000"/>
-              </a:lnSpc>
-              <a:buFont typeface="Arial"/>
-              <a:buChar char="•"/>
-            </a:pPr>
-            <a:r>
-              <a:rPr lang="pt-BR" sz="3200" strike="noStrike">
-                <a:solidFill>
-                  <a:srgbClr val="000000"/>
-                </a:solidFill>
-                <a:latin typeface="Calibri"/>
-              </a:rPr>
-              <a:t>Seventh Outline LevelClique para editar os estilos do texto mestre</a:t>
-            </a:r>
-            <a:endParaRPr/>
-          </a:p>
-          <a:p>
-            <a:pPr lvl="1">
-              <a:lnSpc>
-                <a:spcPct val="100000"/>
-              </a:lnSpc>
-              <a:buFont typeface="Arial"/>
-              <a:buChar char="–"/>
-            </a:pPr>
-            <a:r>
-              <a:rPr lang="pt-BR" sz="2800" strike="noStrike">
-                <a:solidFill>
-                  <a:srgbClr val="000000"/>
-                </a:solidFill>
-                <a:latin typeface="Calibri"/>
-              </a:rPr>
-              <a:t>Segundo nível</a:t>
-            </a:r>
-            <a:endParaRPr/>
-          </a:p>
-          <a:p>
-            <a:pPr lvl="2">
-              <a:lnSpc>
-                <a:spcPct val="100000"/>
-              </a:lnSpc>
-              <a:buFont typeface="Arial"/>
-              <a:buChar char="•"/>
-            </a:pPr>
-            <a:r>
-              <a:rPr lang="pt-BR" sz="2400" strike="noStrike">
-                <a:solidFill>
-                  <a:srgbClr val="000000"/>
-                </a:solidFill>
-                <a:latin typeface="Calibri"/>
-              </a:rPr>
-              <a:t>Terceiro nível</a:t>
-            </a:r>
-            <a:endParaRPr/>
-          </a:p>
-          <a:p>
-            <a:pPr lvl="3">
-              <a:lnSpc>
-                <a:spcPct val="100000"/>
-              </a:lnSpc>
-              <a:buFont typeface="Arial"/>
-              <a:buChar char="–"/>
-            </a:pPr>
-            <a:r>
-              <a:rPr lang="pt-BR" sz="2000" strike="noStrike">
-                <a:solidFill>
-                  <a:srgbClr val="000000"/>
-                </a:solidFill>
-                <a:latin typeface="Calibri"/>
-              </a:rPr>
-              <a:t>Quarto nível</a:t>
-            </a:r>
-            <a:endParaRPr/>
-          </a:p>
-          <a:p>
-            <a:pPr lvl="4">
-              <a:lnSpc>
-                <a:spcPct val="100000"/>
-              </a:lnSpc>
-              <a:buFont typeface="Arial"/>
-              <a:buChar char="»"/>
-            </a:pPr>
-            <a:r>
-              <a:rPr lang="pt-BR" sz="2000" strike="noStrike">
-                <a:solidFill>
-                  <a:srgbClr val="000000"/>
-                </a:solidFill>
-                <a:latin typeface="Calibri"/>
-              </a:rPr>
-              <a:t>Quinto nível</a:t>
-            </a:r>
-            <a:endParaRPr/>
-          </a:p>
-        </p:txBody>
-      </p:sp>
-      <p:sp>
-        <p:nvSpPr>
-          <p:cNvPr id="41" name="PlaceHolder 3"/>
-          <p:cNvSpPr>
-            <a:spLocks noGrp="1"/>
-          </p:cNvSpPr>
-          <p:nvPr>
-            <p:ph type="dt"/>
-          </p:nvPr>
-        </p:nvSpPr>
-        <p:spPr>
-          <a:xfrm>
-            <a:off x="457200" y="6356520"/>
-            <a:ext cx="2133360" cy="364680"/>
-          </a:xfrm>
-          <a:prstGeom prst="rect">
-            <a:avLst/>
-          </a:prstGeom>
-        </p:spPr>
-        <p:txBody>
-          <a:bodyPr anchor="ctr"/>
-          <a:p>
-            <a:pPr>
-              <a:lnSpc>
-                <a:spcPct val="100000"/>
-              </a:lnSpc>
-            </a:pPr>
-            <a:r>
-              <a:rPr lang="en-US" sz="1200" strike="noStrike">
-                <a:solidFill>
-                  <a:srgbClr val="8b8b8b"/>
-                </a:solidFill>
-                <a:latin typeface="Calibri"/>
-              </a:rPr>
-              <a:t>2/29/16</a:t>
-            </a:r>
-            <a:endParaRPr/>
-          </a:p>
-        </p:txBody>
-      </p:sp>
-      <p:sp>
-        <p:nvSpPr>
-          <p:cNvPr id="42" name="PlaceHolder 4"/>
-          <p:cNvSpPr>
-            <a:spLocks noGrp="1"/>
-          </p:cNvSpPr>
-          <p:nvPr>
-            <p:ph type="ftr"/>
-          </p:nvPr>
-        </p:nvSpPr>
-        <p:spPr>
-          <a:xfrm>
-            <a:off x="3124080" y="6356520"/>
-            <a:ext cx="2895120" cy="364680"/>
-          </a:xfrm>
-          <a:prstGeom prst="rect">
-            <a:avLst/>
-          </a:prstGeom>
-        </p:spPr>
-        <p:txBody>
-          <a:bodyPr anchor="ctr"/>
-          <a:p>
-            <a:endParaRPr/>
-          </a:p>
-        </p:txBody>
-      </p:sp>
-      <p:sp>
-        <p:nvSpPr>
-          <p:cNvPr id="43" name="PlaceHolder 5"/>
-          <p:cNvSpPr>
-            <a:spLocks noGrp="1"/>
-          </p:cNvSpPr>
-          <p:nvPr>
-            <p:ph type="sldNum"/>
-          </p:nvPr>
-        </p:nvSpPr>
-        <p:spPr>
-          <a:xfrm>
-            <a:off x="6553080" y="6356520"/>
-            <a:ext cx="2133360" cy="364680"/>
-          </a:xfrm>
-          <a:prstGeom prst="rect">
-            <a:avLst/>
-          </a:prstGeom>
-        </p:spPr>
-        <p:txBody>
-          <a:bodyPr anchor="ctr"/>
-          <a:p>
-            <a:pPr algn="r">
-              <a:lnSpc>
-                <a:spcPct val="100000"/>
-              </a:lnSpc>
-            </a:pPr>
-            <a:fld id="{45089AC6-12F5-424C-8E61-3A332989E3A0}" type="slidenum">
-              <a:rPr lang="en-US" sz="1200" strike="noStrike">
-                <a:solidFill>
-                  <a:srgbClr val="8b8b8b"/>
-                </a:solidFill>
-                <a:latin typeface="Calibri"/>
-              </a:rPr>
-              <a:t>&lt;number&gt;</a:t>
-            </a:fld>
+            <a:pPr lvl="6">
+              <a:buSzPct val="45000"/>
+              <a:buFont typeface="StarSymbol"/>
+              <a:buChar char=""/>
+            </a:pPr>
+            <a:r>
+              <a:rPr lang="pt-BR" sz="2000">
+                <a:latin typeface="Arial"/>
+              </a:rPr>
+              <a:t>Seventh Outline Level</a:t>
+            </a:r>
             <a:endParaRPr/>
           </a:p>
         </p:txBody>
@@ -3069,14 +2763,14 @@
       </p:grpSpPr>
       <p:sp>
         <p:nvSpPr>
-          <p:cNvPr id="78" name="TextShape 1"/>
-          <p:cNvSpPr txBox="1"/>
+          <p:cNvPr id="72" name="CustomShape 1"/>
+          <p:cNvSpPr/>
           <p:nvPr/>
         </p:nvSpPr>
         <p:spPr>
           <a:xfrm>
             <a:off x="685800" y="2130480"/>
-            <a:ext cx="7772040" cy="1469520"/>
+            <a:ext cx="7771680" cy="1469160"/>
           </a:xfrm>
           <a:prstGeom prst="rect">
             <a:avLst/>
@@ -3086,8 +2780,14 @@
             <a:noFill/>
           </a:ln>
         </p:spPr>
-        <p:txBody>
-          <a:bodyPr anchor="ctr"/>
+        <p:style>
+          <a:lnRef idx="0"/>
+          <a:fillRef idx="0"/>
+          <a:effectRef idx="0"/>
+          <a:fontRef idx="minor"/>
+        </p:style>
+        <p:txBody>
+          <a:bodyPr lIns="90000" rIns="90000" tIns="45000" bIns="45000" anchor="ctr"/>
           <a:p>
             <a:pPr algn="ctr">
               <a:lnSpc>
@@ -3109,14 +2809,14 @@
       </p:sp>
       <p:sp>
         <p:nvSpPr>
-          <p:cNvPr id="79" name="TextShape 2"/>
-          <p:cNvSpPr txBox="1"/>
+          <p:cNvPr id="73" name="CustomShape 2"/>
+          <p:cNvSpPr/>
           <p:nvPr/>
         </p:nvSpPr>
         <p:spPr>
           <a:xfrm>
             <a:off x="1371600" y="3886200"/>
-            <a:ext cx="6400440" cy="1752120"/>
+            <a:ext cx="6400080" cy="1751760"/>
           </a:xfrm>
           <a:prstGeom prst="rect">
             <a:avLst/>
@@ -3126,8 +2826,14 @@
             <a:noFill/>
           </a:ln>
         </p:spPr>
-        <p:txBody>
-          <a:bodyPr/>
+        <p:style>
+          <a:lnRef idx="0"/>
+          <a:fillRef idx="0"/>
+          <a:effectRef idx="0"/>
+          <a:fontRef idx="minor"/>
+        </p:style>
+        <p:txBody>
+          <a:bodyPr lIns="90000" rIns="90000" tIns="45000" bIns="45000"/>
           <a:p>
             <a:pPr algn="ctr">
               <a:lnSpc>
@@ -3135,7 +2841,7 @@
               </a:lnSpc>
             </a:pPr>
             <a:r>
-              <a:rPr lang="en-US" sz="3200" strike="noStrike">
+              <a:rPr lang="pt-BR" sz="3200" strike="noStrike">
                 <a:solidFill>
                   <a:srgbClr val="8b8b8b"/>
                 </a:solidFill>
@@ -3198,14 +2904,14 @@
       </p:grpSpPr>
       <p:sp>
         <p:nvSpPr>
-          <p:cNvPr id="98" name="TextShape 1"/>
-          <p:cNvSpPr txBox="1"/>
+          <p:cNvPr id="92" name="CustomShape 1"/>
+          <p:cNvSpPr/>
           <p:nvPr/>
         </p:nvSpPr>
         <p:spPr>
           <a:xfrm>
             <a:off x="457200" y="274680"/>
-            <a:ext cx="8229240" cy="1142640"/>
+            <a:ext cx="8228880" cy="1142280"/>
           </a:xfrm>
           <a:prstGeom prst="rect">
             <a:avLst/>
@@ -3215,8 +2921,14 @@
             <a:noFill/>
           </a:ln>
         </p:spPr>
-        <p:txBody>
-          <a:bodyPr anchor="ctr"/>
+        <p:style>
+          <a:lnRef idx="0"/>
+          <a:fillRef idx="0"/>
+          <a:effectRef idx="0"/>
+          <a:fontRef idx="minor"/>
+        </p:style>
+        <p:txBody>
+          <a:bodyPr lIns="90000" rIns="90000" tIns="45000" bIns="45000" anchor="ctr"/>
           <a:p>
             <a:pPr algn="ctr">
               <a:lnSpc>
@@ -3238,14 +2950,14 @@
       </p:sp>
       <p:sp>
         <p:nvSpPr>
-          <p:cNvPr id="99" name="TextShape 2"/>
-          <p:cNvSpPr txBox="1"/>
+          <p:cNvPr id="93" name="CustomShape 2"/>
+          <p:cNvSpPr/>
           <p:nvPr/>
         </p:nvSpPr>
         <p:spPr>
           <a:xfrm>
             <a:off x="457200" y="1600200"/>
-            <a:ext cx="8229240" cy="4525560"/>
+            <a:ext cx="8228880" cy="4525200"/>
           </a:xfrm>
           <a:prstGeom prst="rect">
             <a:avLst/>
@@ -3255,8 +2967,14 @@
             <a:noFill/>
           </a:ln>
         </p:spPr>
-        <p:txBody>
-          <a:bodyPr/>
+        <p:style>
+          <a:lnRef idx="0"/>
+          <a:fillRef idx="0"/>
+          <a:effectRef idx="0"/>
+          <a:fontRef idx="minor"/>
+        </p:style>
+        <p:txBody>
+          <a:bodyPr lIns="90000" rIns="90000" tIns="45000" bIns="45000"/>
           <a:p>
             <a:pPr>
               <a:lnSpc>
@@ -3266,7 +2984,7 @@
               <a:buChar char="•"/>
             </a:pPr>
             <a:r>
-              <a:rPr lang="pt-BR" sz="3200" strike="noStrike">
+              <a:rPr lang="pt-BR" sz="2800" strike="noStrike">
                 <a:solidFill>
                   <a:srgbClr val="000000"/>
                 </a:solidFill>
@@ -3285,7 +3003,7 @@
               <a:buChar char="•"/>
             </a:pPr>
             <a:r>
-              <a:rPr lang="pt-BR" sz="3200" strike="noStrike">
+              <a:rPr lang="pt-BR" sz="2800" strike="noStrike">
                 <a:solidFill>
                   <a:srgbClr val="000000"/>
                 </a:solidFill>
@@ -3304,7 +3022,7 @@
               <a:buChar char="•"/>
             </a:pPr>
             <a:r>
-              <a:rPr lang="pt-BR" sz="3200" strike="noStrike">
+              <a:rPr lang="pt-BR" sz="2800" strike="noStrike">
                 <a:solidFill>
                   <a:srgbClr val="000000"/>
                 </a:solidFill>
@@ -3323,7 +3041,7 @@
               <a:buChar char="•"/>
             </a:pPr>
             <a:r>
-              <a:rPr lang="pt-BR" sz="3200" strike="noStrike">
+              <a:rPr lang="pt-BR" sz="2800" strike="noStrike">
                 <a:solidFill>
                   <a:srgbClr val="000000"/>
                 </a:solidFill>
@@ -3342,7 +3060,7 @@
               <a:buChar char="•"/>
             </a:pPr>
             <a:r>
-              <a:rPr lang="pt-BR" sz="3200" strike="noStrike">
+              <a:rPr lang="pt-BR" sz="2800" strike="noStrike">
                 <a:solidFill>
                   <a:srgbClr val="000000"/>
                 </a:solidFill>
@@ -3361,7 +3079,7 @@
               <a:buChar char="•"/>
             </a:pPr>
             <a:r>
-              <a:rPr lang="pt-BR" sz="3200" strike="noStrike">
+              <a:rPr lang="pt-BR" sz="2800" strike="noStrike">
                 <a:solidFill>
                   <a:srgbClr val="000000"/>
                 </a:solidFill>
@@ -3386,10 +3104,10 @@
   <p:timing>
     <p:tnLst>
       <p:par>
-        <p:cTn id="17" dur="indefinite" restart="never" nodeType="tmRoot">
+        <p:cTn id="19" dur="indefinite" restart="never" nodeType="tmRoot">
           <p:childTnLst>
             <p:seq>
-              <p:cTn id="18" nodeType="mainSeq"/>
+              <p:cTn id="20" nodeType="mainSeq"/>
               <p:prevCondLst>
                 <p:cond delay="0" evt="onPrev">
                   <p:tgtEl>
@@ -3432,14 +3150,14 @@
       </p:grpSpPr>
       <p:sp>
         <p:nvSpPr>
-          <p:cNvPr id="100" name="TextShape 1"/>
-          <p:cNvSpPr txBox="1"/>
+          <p:cNvPr id="94" name="CustomShape 1"/>
+          <p:cNvSpPr/>
           <p:nvPr/>
         </p:nvSpPr>
         <p:spPr>
           <a:xfrm>
             <a:off x="457200" y="274680"/>
-            <a:ext cx="8229240" cy="1142640"/>
+            <a:ext cx="8228880" cy="1142280"/>
           </a:xfrm>
           <a:prstGeom prst="rect">
             <a:avLst/>
@@ -3449,8 +3167,14 @@
             <a:noFill/>
           </a:ln>
         </p:spPr>
-        <p:txBody>
-          <a:bodyPr anchor="ctr"/>
+        <p:style>
+          <a:lnRef idx="0"/>
+          <a:fillRef idx="0"/>
+          <a:effectRef idx="0"/>
+          <a:fontRef idx="minor"/>
+        </p:style>
+        <p:txBody>
+          <a:bodyPr lIns="90000" rIns="90000" tIns="45000" bIns="45000" anchor="ctr"/>
           <a:p>
             <a:pPr algn="ctr">
               <a:lnSpc>
@@ -3472,14 +3196,14 @@
       </p:sp>
       <p:sp>
         <p:nvSpPr>
-          <p:cNvPr id="101" name="TextShape 2"/>
-          <p:cNvSpPr txBox="1"/>
+          <p:cNvPr id="95" name="CustomShape 2"/>
+          <p:cNvSpPr/>
           <p:nvPr/>
         </p:nvSpPr>
         <p:spPr>
           <a:xfrm>
             <a:off x="457200" y="1600200"/>
-            <a:ext cx="8229240" cy="4525560"/>
+            <a:ext cx="8228880" cy="4525200"/>
           </a:xfrm>
           <a:prstGeom prst="rect">
             <a:avLst/>
@@ -3489,8 +3213,14 @@
             <a:noFill/>
           </a:ln>
         </p:spPr>
-        <p:txBody>
-          <a:bodyPr/>
+        <p:style>
+          <a:lnRef idx="0"/>
+          <a:fillRef idx="0"/>
+          <a:effectRef idx="0"/>
+          <a:fontRef idx="minor"/>
+        </p:style>
+        <p:txBody>
+          <a:bodyPr lIns="90000" rIns="90000" tIns="45000" bIns="45000"/>
           <a:p>
             <a:pPr>
               <a:lnSpc>
@@ -3607,10 +3337,10 @@
   <p:timing>
     <p:tnLst>
       <p:par>
-        <p:cTn id="19" dur="indefinite" restart="never" nodeType="tmRoot">
+        <p:cTn id="21" dur="indefinite" restart="never" nodeType="tmRoot">
           <p:childTnLst>
             <p:seq>
-              <p:cTn id="20" nodeType="mainSeq"/>
+              <p:cTn id="22" nodeType="mainSeq"/>
               <p:prevCondLst>
                 <p:cond delay="0" evt="onPrev">
                   <p:tgtEl>
@@ -3653,14 +3383,14 @@
       </p:grpSpPr>
       <p:sp>
         <p:nvSpPr>
-          <p:cNvPr id="102" name="TextShape 1"/>
-          <p:cNvSpPr txBox="1"/>
+          <p:cNvPr id="96" name="CustomShape 1"/>
+          <p:cNvSpPr/>
           <p:nvPr/>
         </p:nvSpPr>
         <p:spPr>
           <a:xfrm>
             <a:off x="457200" y="274680"/>
-            <a:ext cx="8229240" cy="1142640"/>
+            <a:ext cx="8228880" cy="1142280"/>
           </a:xfrm>
           <a:prstGeom prst="rect">
             <a:avLst/>
@@ -3670,8 +3400,14 @@
             <a:noFill/>
           </a:ln>
         </p:spPr>
-        <p:txBody>
-          <a:bodyPr anchor="ctr"/>
+        <p:style>
+          <a:lnRef idx="0"/>
+          <a:fillRef idx="0"/>
+          <a:effectRef idx="0"/>
+          <a:fontRef idx="minor"/>
+        </p:style>
+        <p:txBody>
+          <a:bodyPr lIns="90000" rIns="90000" tIns="45000" bIns="45000" anchor="ctr"/>
           <a:p>
             <a:pPr algn="ctr">
               <a:lnSpc>
@@ -3693,14 +3429,14 @@
       </p:sp>
       <p:sp>
         <p:nvSpPr>
-          <p:cNvPr id="103" name="TextShape 2"/>
-          <p:cNvSpPr txBox="1"/>
+          <p:cNvPr id="97" name="CustomShape 2"/>
+          <p:cNvSpPr/>
           <p:nvPr/>
         </p:nvSpPr>
         <p:spPr>
           <a:xfrm>
             <a:off x="457200" y="1600200"/>
-            <a:ext cx="8229240" cy="4525560"/>
+            <a:ext cx="8228880" cy="4525200"/>
           </a:xfrm>
           <a:prstGeom prst="rect">
             <a:avLst/>
@@ -3710,8 +3446,14 @@
             <a:noFill/>
           </a:ln>
         </p:spPr>
-        <p:txBody>
-          <a:bodyPr/>
+        <p:style>
+          <a:lnRef idx="0"/>
+          <a:fillRef idx="0"/>
+          <a:effectRef idx="0"/>
+          <a:fontRef idx="minor"/>
+        </p:style>
+        <p:txBody>
+          <a:bodyPr lIns="90000" rIns="90000" tIns="45000" bIns="45000"/>
           <a:p>
             <a:pPr>
               <a:lnSpc>
@@ -3721,7 +3463,7 @@
               <a:buChar char="•"/>
             </a:pPr>
             <a:r>
-              <a:rPr lang="pt-BR" sz="3200" strike="noStrike">
+              <a:rPr lang="pt-BR" sz="2800" strike="noStrike">
                 <a:solidFill>
                   <a:srgbClr val="000000"/>
                 </a:solidFill>
@@ -3759,7 +3501,7 @@
               <a:buChar char="•"/>
             </a:pPr>
             <a:r>
-              <a:rPr lang="pt-BR" sz="3200" strike="noStrike">
+              <a:rPr lang="pt-BR" sz="2800" strike="noStrike">
                 <a:solidFill>
                   <a:srgbClr val="000000"/>
                 </a:solidFill>
@@ -3784,10 +3526,10 @@
   <p:timing>
     <p:tnLst>
       <p:par>
-        <p:cTn id="21" dur="indefinite" restart="never" nodeType="tmRoot">
+        <p:cTn id="23" dur="indefinite" restart="never" nodeType="tmRoot">
           <p:childTnLst>
             <p:seq>
-              <p:cTn id="22" nodeType="mainSeq"/>
+              <p:cTn id="24" nodeType="mainSeq"/>
               <p:prevCondLst>
                 <p:cond delay="0" evt="onPrev">
                   <p:tgtEl>
@@ -3830,14 +3572,14 @@
       </p:grpSpPr>
       <p:sp>
         <p:nvSpPr>
-          <p:cNvPr id="104" name="TextShape 1"/>
-          <p:cNvSpPr txBox="1"/>
+          <p:cNvPr id="98" name="CustomShape 1"/>
+          <p:cNvSpPr/>
           <p:nvPr/>
         </p:nvSpPr>
         <p:spPr>
           <a:xfrm>
             <a:off x="457200" y="274680"/>
-            <a:ext cx="8229240" cy="1142640"/>
+            <a:ext cx="8228880" cy="1142280"/>
           </a:xfrm>
           <a:prstGeom prst="rect">
             <a:avLst/>
@@ -3847,23 +3589,23 @@
             <a:noFill/>
           </a:ln>
         </p:spPr>
-        <p:txBody>
-          <a:bodyPr anchor="ctr"/>
-          <a:p>
-            <a:endParaRPr/>
-          </a:p>
-        </p:txBody>
-      </p:sp>
-      <p:sp>
-        <p:nvSpPr>
-          <p:cNvPr id="105" name="TextShape 2"/>
-          <p:cNvSpPr txBox="1"/>
+        <p:style>
+          <a:lnRef idx="0"/>
+          <a:fillRef idx="0"/>
+          <a:effectRef idx="0"/>
+          <a:fontRef idx="minor"/>
+        </p:style>
+      </p:sp>
+      <p:sp>
+        <p:nvSpPr>
+          <p:cNvPr id="99" name="CustomShape 2"/>
+          <p:cNvSpPr/>
           <p:nvPr/>
         </p:nvSpPr>
         <p:spPr>
           <a:xfrm>
             <a:off x="457200" y="1600200"/>
-            <a:ext cx="8229240" cy="4525560"/>
+            <a:ext cx="8228880" cy="4525200"/>
           </a:xfrm>
           <a:prstGeom prst="rect">
             <a:avLst/>
@@ -3873,16 +3615,16 @@
             <a:noFill/>
           </a:ln>
         </p:spPr>
-        <p:txBody>
-          <a:bodyPr/>
-          <a:p>
-            <a:endParaRPr/>
-          </a:p>
-        </p:txBody>
+        <p:style>
+          <a:lnRef idx="0"/>
+          <a:fillRef idx="0"/>
+          <a:effectRef idx="0"/>
+          <a:fontRef idx="minor"/>
+        </p:style>
       </p:sp>
       <p:pic>
         <p:nvPicPr>
-          <p:cNvPr id="106" name="Picture 2" descr=""/>
+          <p:cNvPr id="100" name="Picture 2" descr=""/>
           <p:cNvPicPr/>
           <p:nvPr/>
         </p:nvPicPr>
@@ -3893,7 +3635,7 @@
         <p:spPr>
           <a:xfrm>
             <a:off x="0" y="247680"/>
-            <a:ext cx="9143640" cy="6360840"/>
+            <a:ext cx="9143280" cy="6360480"/>
           </a:xfrm>
           <a:prstGeom prst="rect">
             <a:avLst/>
@@ -3908,10 +3650,10 @@
   <p:timing>
     <p:tnLst>
       <p:par>
-        <p:cTn id="23" dur="indefinite" restart="never" nodeType="tmRoot">
+        <p:cTn id="25" dur="indefinite" restart="never" nodeType="tmRoot">
           <p:childTnLst>
             <p:seq>
-              <p:cTn id="24" nodeType="mainSeq"/>
+              <p:cTn id="26" nodeType="mainSeq"/>
               <p:prevCondLst>
                 <p:cond delay="0" evt="onPrev">
                   <p:tgtEl>
@@ -3954,14 +3696,14 @@
       </p:grpSpPr>
       <p:sp>
         <p:nvSpPr>
-          <p:cNvPr id="107" name="TextShape 1"/>
-          <p:cNvSpPr txBox="1"/>
+          <p:cNvPr id="101" name="CustomShape 1"/>
+          <p:cNvSpPr/>
           <p:nvPr/>
         </p:nvSpPr>
         <p:spPr>
           <a:xfrm>
             <a:off x="457200" y="274680"/>
-            <a:ext cx="8229240" cy="1142640"/>
+            <a:ext cx="8228880" cy="1142280"/>
           </a:xfrm>
           <a:prstGeom prst="rect">
             <a:avLst/>
@@ -3971,8 +3713,14 @@
             <a:noFill/>
           </a:ln>
         </p:spPr>
-        <p:txBody>
-          <a:bodyPr anchor="ctr"/>
+        <p:style>
+          <a:lnRef idx="0"/>
+          <a:fillRef idx="0"/>
+          <a:effectRef idx="0"/>
+          <a:fontRef idx="minor"/>
+        </p:style>
+        <p:txBody>
+          <a:bodyPr lIns="90000" rIns="90000" tIns="45000" bIns="45000" anchor="ctr"/>
           <a:p>
             <a:pPr algn="ctr">
               <a:lnSpc>
@@ -3994,14 +3742,14 @@
       </p:sp>
       <p:sp>
         <p:nvSpPr>
-          <p:cNvPr id="108" name="TextShape 2"/>
-          <p:cNvSpPr txBox="1"/>
+          <p:cNvPr id="102" name="CustomShape 2"/>
+          <p:cNvSpPr/>
           <p:nvPr/>
         </p:nvSpPr>
         <p:spPr>
           <a:xfrm>
             <a:off x="457200" y="1600200"/>
-            <a:ext cx="8229240" cy="4525560"/>
+            <a:ext cx="8228880" cy="4525200"/>
           </a:xfrm>
           <a:prstGeom prst="rect">
             <a:avLst/>
@@ -4011,16 +3759,16 @@
             <a:noFill/>
           </a:ln>
         </p:spPr>
-        <p:txBody>
-          <a:bodyPr/>
-          <a:p>
-            <a:endParaRPr/>
-          </a:p>
-        </p:txBody>
+        <p:style>
+          <a:lnRef idx="0"/>
+          <a:fillRef idx="0"/>
+          <a:effectRef idx="0"/>
+          <a:fontRef idx="minor"/>
+        </p:style>
       </p:sp>
       <p:pic>
         <p:nvPicPr>
-          <p:cNvPr id="109" name="Picture 2" descr=""/>
+          <p:cNvPr id="103" name="Picture 2" descr=""/>
           <p:cNvPicPr/>
           <p:nvPr/>
         </p:nvPicPr>
@@ -4031,7 +3779,7 @@
         <p:spPr>
           <a:xfrm>
             <a:off x="0" y="0"/>
-            <a:ext cx="9546840" cy="7380000"/>
+            <a:ext cx="9546480" cy="7379640"/>
           </a:xfrm>
           <a:prstGeom prst="rect">
             <a:avLst/>
@@ -4046,10 +3794,10 @@
   <p:timing>
     <p:tnLst>
       <p:par>
-        <p:cTn id="25" dur="indefinite" restart="never" nodeType="tmRoot">
+        <p:cTn id="27" dur="indefinite" restart="never" nodeType="tmRoot">
           <p:childTnLst>
             <p:seq>
-              <p:cTn id="26" nodeType="mainSeq"/>
+              <p:cTn id="28" nodeType="mainSeq"/>
               <p:prevCondLst>
                 <p:cond delay="0" evt="onPrev">
                   <p:tgtEl>
@@ -4092,14 +3840,14 @@
       </p:grpSpPr>
       <p:sp>
         <p:nvSpPr>
-          <p:cNvPr id="110" name="TextShape 1"/>
-          <p:cNvSpPr txBox="1"/>
+          <p:cNvPr id="104" name="CustomShape 1"/>
+          <p:cNvSpPr/>
           <p:nvPr/>
         </p:nvSpPr>
         <p:spPr>
           <a:xfrm>
             <a:off x="457200" y="274680"/>
-            <a:ext cx="8229240" cy="1142640"/>
+            <a:ext cx="8228880" cy="1142280"/>
           </a:xfrm>
           <a:prstGeom prst="rect">
             <a:avLst/>
@@ -4109,8 +3857,14 @@
             <a:noFill/>
           </a:ln>
         </p:spPr>
-        <p:txBody>
-          <a:bodyPr anchor="ctr"/>
+        <p:style>
+          <a:lnRef idx="0"/>
+          <a:fillRef idx="0"/>
+          <a:effectRef idx="0"/>
+          <a:fontRef idx="minor"/>
+        </p:style>
+        <p:txBody>
+          <a:bodyPr lIns="90000" rIns="90000" tIns="45000" bIns="45000" anchor="ctr"/>
           <a:p>
             <a:pPr algn="ctr">
               <a:lnSpc>
@@ -4132,14 +3886,14 @@
       </p:sp>
       <p:sp>
         <p:nvSpPr>
-          <p:cNvPr id="111" name="TextShape 2"/>
-          <p:cNvSpPr txBox="1"/>
+          <p:cNvPr id="105" name="CustomShape 2"/>
+          <p:cNvSpPr/>
           <p:nvPr/>
         </p:nvSpPr>
         <p:spPr>
           <a:xfrm>
             <a:off x="457200" y="1600200"/>
-            <a:ext cx="8229240" cy="4525560"/>
+            <a:ext cx="8228880" cy="4525200"/>
           </a:xfrm>
           <a:prstGeom prst="rect">
             <a:avLst/>
@@ -4149,8 +3903,14 @@
             <a:noFill/>
           </a:ln>
         </p:spPr>
-        <p:txBody>
-          <a:bodyPr/>
+        <p:style>
+          <a:lnRef idx="0"/>
+          <a:fillRef idx="0"/>
+          <a:effectRef idx="0"/>
+          <a:fontRef idx="minor"/>
+        </p:style>
+        <p:txBody>
+          <a:bodyPr lIns="90000" rIns="90000" tIns="45000" bIns="45000"/>
           <a:p>
             <a:pPr>
               <a:lnSpc>
@@ -4213,10 +3973,10 @@
   <p:timing>
     <p:tnLst>
       <p:par>
-        <p:cTn id="27" dur="indefinite" restart="never" nodeType="tmRoot">
+        <p:cTn id="29" dur="indefinite" restart="never" nodeType="tmRoot">
           <p:childTnLst>
             <p:seq>
-              <p:cTn id="28" nodeType="mainSeq"/>
+              <p:cTn id="30" nodeType="mainSeq"/>
               <p:prevCondLst>
                 <p:cond delay="0" evt="onPrev">
                   <p:tgtEl>
@@ -4259,14 +4019,14 @@
       </p:grpSpPr>
       <p:sp>
         <p:nvSpPr>
-          <p:cNvPr id="112" name="TextShape 1"/>
-          <p:cNvSpPr txBox="1"/>
+          <p:cNvPr id="106" name="CustomShape 1"/>
+          <p:cNvSpPr/>
           <p:nvPr/>
         </p:nvSpPr>
         <p:spPr>
           <a:xfrm>
             <a:off x="457200" y="274680"/>
-            <a:ext cx="8229240" cy="1142640"/>
+            <a:ext cx="8228880" cy="1142280"/>
           </a:xfrm>
           <a:prstGeom prst="rect">
             <a:avLst/>
@@ -4276,8 +4036,14 @@
             <a:noFill/>
           </a:ln>
         </p:spPr>
-        <p:txBody>
-          <a:bodyPr anchor="ctr"/>
+        <p:style>
+          <a:lnRef idx="0"/>
+          <a:fillRef idx="0"/>
+          <a:effectRef idx="0"/>
+          <a:fontRef idx="minor"/>
+        </p:style>
+        <p:txBody>
+          <a:bodyPr lIns="90000" rIns="90000" tIns="45000" bIns="45000" anchor="ctr"/>
           <a:p>
             <a:pPr algn="ctr">
               <a:lnSpc>
@@ -4299,14 +4065,14 @@
       </p:sp>
       <p:sp>
         <p:nvSpPr>
-          <p:cNvPr id="113" name="TextShape 2"/>
-          <p:cNvSpPr txBox="1"/>
+          <p:cNvPr id="107" name="CustomShape 2"/>
+          <p:cNvSpPr/>
           <p:nvPr/>
         </p:nvSpPr>
         <p:spPr>
           <a:xfrm>
             <a:off x="457200" y="1600200"/>
-            <a:ext cx="8229240" cy="4525560"/>
+            <a:ext cx="8228880" cy="4525200"/>
           </a:xfrm>
           <a:prstGeom prst="rect">
             <a:avLst/>
@@ -4316,8 +4082,14 @@
             <a:noFill/>
           </a:ln>
         </p:spPr>
-        <p:txBody>
-          <a:bodyPr/>
+        <p:style>
+          <a:lnRef idx="0"/>
+          <a:fillRef idx="0"/>
+          <a:effectRef idx="0"/>
+          <a:fontRef idx="minor"/>
+        </p:style>
+        <p:txBody>
+          <a:bodyPr lIns="90000" rIns="90000" tIns="45000" bIns="45000"/>
           <a:p>
             <a:pPr>
               <a:lnSpc>
@@ -4390,10 +4162,10 @@
   <p:timing>
     <p:tnLst>
       <p:par>
-        <p:cTn id="29" dur="indefinite" restart="never" nodeType="tmRoot">
+        <p:cTn id="31" dur="indefinite" restart="never" nodeType="tmRoot">
           <p:childTnLst>
             <p:seq>
-              <p:cTn id="30" nodeType="mainSeq"/>
+              <p:cTn id="32" nodeType="mainSeq"/>
               <p:prevCondLst>
                 <p:cond delay="0" evt="onPrev">
                   <p:tgtEl>
@@ -4436,14 +4208,14 @@
       </p:grpSpPr>
       <p:sp>
         <p:nvSpPr>
-          <p:cNvPr id="114" name="TextShape 1"/>
-          <p:cNvSpPr txBox="1"/>
+          <p:cNvPr id="108" name="CustomShape 1"/>
+          <p:cNvSpPr/>
           <p:nvPr/>
         </p:nvSpPr>
         <p:spPr>
           <a:xfrm>
             <a:off x="457200" y="274680"/>
-            <a:ext cx="8229240" cy="1142640"/>
+            <a:ext cx="8228880" cy="1142280"/>
           </a:xfrm>
           <a:prstGeom prst="rect">
             <a:avLst/>
@@ -4453,8 +4225,14 @@
             <a:noFill/>
           </a:ln>
         </p:spPr>
-        <p:txBody>
-          <a:bodyPr anchor="ctr"/>
+        <p:style>
+          <a:lnRef idx="0"/>
+          <a:fillRef idx="0"/>
+          <a:effectRef idx="0"/>
+          <a:fontRef idx="minor"/>
+        </p:style>
+        <p:txBody>
+          <a:bodyPr lIns="90000" rIns="90000" tIns="45000" bIns="45000" anchor="ctr"/>
           <a:p>
             <a:pPr algn="ctr">
               <a:lnSpc>
@@ -4476,14 +4254,14 @@
       </p:sp>
       <p:sp>
         <p:nvSpPr>
-          <p:cNvPr id="115" name="TextShape 2"/>
-          <p:cNvSpPr txBox="1"/>
+          <p:cNvPr id="109" name="CustomShape 2"/>
+          <p:cNvSpPr/>
           <p:nvPr/>
         </p:nvSpPr>
         <p:spPr>
           <a:xfrm>
             <a:off x="457200" y="1600200"/>
-            <a:ext cx="8229240" cy="4525560"/>
+            <a:ext cx="8228880" cy="4525200"/>
           </a:xfrm>
           <a:prstGeom prst="rect">
             <a:avLst/>
@@ -4493,8 +4271,14 @@
             <a:noFill/>
           </a:ln>
         </p:spPr>
-        <p:txBody>
-          <a:bodyPr/>
+        <p:style>
+          <a:lnRef idx="0"/>
+          <a:fillRef idx="0"/>
+          <a:effectRef idx="0"/>
+          <a:fontRef idx="minor"/>
+        </p:style>
+        <p:txBody>
+          <a:bodyPr lIns="90000" rIns="90000" tIns="45000" bIns="45000"/>
           <a:p>
             <a:pPr>
               <a:lnSpc>
@@ -4567,10 +4351,10 @@
   <p:timing>
     <p:tnLst>
       <p:par>
-        <p:cTn id="31" dur="indefinite" restart="never" nodeType="tmRoot">
+        <p:cTn id="33" dur="indefinite" restart="never" nodeType="tmRoot">
           <p:childTnLst>
             <p:seq>
-              <p:cTn id="32" nodeType="mainSeq"/>
+              <p:cTn id="34" nodeType="mainSeq"/>
               <p:prevCondLst>
                 <p:cond delay="0" evt="onPrev">
                   <p:tgtEl>
@@ -4613,14 +4397,14 @@
       </p:grpSpPr>
       <p:sp>
         <p:nvSpPr>
-          <p:cNvPr id="116" name="TextShape 1"/>
-          <p:cNvSpPr txBox="1"/>
+          <p:cNvPr id="110" name="CustomShape 1"/>
+          <p:cNvSpPr/>
           <p:nvPr/>
         </p:nvSpPr>
         <p:spPr>
           <a:xfrm>
             <a:off x="457200" y="274680"/>
-            <a:ext cx="8229240" cy="1142640"/>
+            <a:ext cx="8228880" cy="1142280"/>
           </a:xfrm>
           <a:prstGeom prst="rect">
             <a:avLst/>
@@ -4630,8 +4414,14 @@
             <a:noFill/>
           </a:ln>
         </p:spPr>
-        <p:txBody>
-          <a:bodyPr anchor="ctr"/>
+        <p:style>
+          <a:lnRef idx="0"/>
+          <a:fillRef idx="0"/>
+          <a:effectRef idx="0"/>
+          <a:fontRef idx="minor"/>
+        </p:style>
+        <p:txBody>
+          <a:bodyPr lIns="90000" rIns="90000" tIns="45000" bIns="45000" anchor="ctr"/>
           <a:p>
             <a:pPr algn="ctr">
               <a:lnSpc>
@@ -4653,14 +4443,14 @@
       </p:sp>
       <p:sp>
         <p:nvSpPr>
-          <p:cNvPr id="117" name="TextShape 2"/>
-          <p:cNvSpPr txBox="1"/>
+          <p:cNvPr id="111" name="CustomShape 2"/>
+          <p:cNvSpPr/>
           <p:nvPr/>
         </p:nvSpPr>
         <p:spPr>
           <a:xfrm>
             <a:off x="457200" y="1600200"/>
-            <a:ext cx="8229240" cy="4525560"/>
+            <a:ext cx="8228880" cy="4525200"/>
           </a:xfrm>
           <a:prstGeom prst="rect">
             <a:avLst/>
@@ -4670,8 +4460,14 @@
             <a:noFill/>
           </a:ln>
         </p:spPr>
-        <p:txBody>
-          <a:bodyPr/>
+        <p:style>
+          <a:lnRef idx="0"/>
+          <a:fillRef idx="0"/>
+          <a:effectRef idx="0"/>
+          <a:fontRef idx="minor"/>
+        </p:style>
+        <p:txBody>
+          <a:bodyPr lIns="90000" rIns="90000" tIns="45000" bIns="45000"/>
           <a:p>
             <a:pPr>
               <a:lnSpc>
@@ -4741,6 +4537,33 @@
       </p:sp>
     </p:spTree>
   </p:cSld>
+  <p:timing>
+    <p:tnLst>
+      <p:par>
+        <p:cTn id="35" dur="indefinite" restart="never" nodeType="tmRoot">
+          <p:childTnLst>
+            <p:seq>
+              <p:cTn id="36" nodeType="mainSeq"/>
+              <p:prevCondLst>
+                <p:cond delay="0" evt="onPrev">
+                  <p:tgtEl>
+                    <p:sldTgt/>
+                  </p:tgtEl>
+                </p:cond>
+              </p:prevCondLst>
+              <p:nextCondLst>
+                <p:cond delay="0" evt="onNext">
+                  <p:tgtEl>
+                    <p:sldTgt/>
+                  </p:tgtEl>
+                </p:cond>
+              </p:nextCondLst>
+            </p:seq>
+          </p:childTnLst>
+        </p:cTn>
+      </p:par>
+    </p:tnLst>
+  </p:timing>
 </p:sld>
 </file>
 
@@ -4763,14 +4586,14 @@
       </p:grpSpPr>
       <p:sp>
         <p:nvSpPr>
-          <p:cNvPr id="118" name="TextShape 1"/>
-          <p:cNvSpPr txBox="1"/>
+          <p:cNvPr id="112" name="CustomShape 1"/>
+          <p:cNvSpPr/>
           <p:nvPr/>
         </p:nvSpPr>
         <p:spPr>
           <a:xfrm>
             <a:off x="457200" y="274680"/>
-            <a:ext cx="8229240" cy="1142640"/>
+            <a:ext cx="8228880" cy="1142280"/>
           </a:xfrm>
           <a:prstGeom prst="rect">
             <a:avLst/>
@@ -4780,8 +4603,14 @@
             <a:noFill/>
           </a:ln>
         </p:spPr>
-        <p:txBody>
-          <a:bodyPr anchor="ctr"/>
+        <p:style>
+          <a:lnRef idx="0"/>
+          <a:fillRef idx="0"/>
+          <a:effectRef idx="0"/>
+          <a:fontRef idx="minor"/>
+        </p:style>
+        <p:txBody>
+          <a:bodyPr lIns="90000" rIns="90000" tIns="45000" bIns="45000" anchor="ctr"/>
           <a:p>
             <a:pPr algn="ctr">
               <a:lnSpc>
@@ -4803,14 +4632,14 @@
       </p:sp>
       <p:sp>
         <p:nvSpPr>
-          <p:cNvPr id="119" name="TextShape 2"/>
-          <p:cNvSpPr txBox="1"/>
+          <p:cNvPr id="113" name="CustomShape 2"/>
+          <p:cNvSpPr/>
           <p:nvPr/>
         </p:nvSpPr>
         <p:spPr>
           <a:xfrm>
             <a:off x="457200" y="1600200"/>
-            <a:ext cx="8229240" cy="4525560"/>
+            <a:ext cx="8228880" cy="4525200"/>
           </a:xfrm>
           <a:prstGeom prst="rect">
             <a:avLst/>
@@ -4820,8 +4649,14 @@
             <a:noFill/>
           </a:ln>
         </p:spPr>
-        <p:txBody>
-          <a:bodyPr/>
+        <p:style>
+          <a:lnRef idx="0"/>
+          <a:fillRef idx="0"/>
+          <a:effectRef idx="0"/>
+          <a:fontRef idx="minor"/>
+        </p:style>
+        <p:txBody>
+          <a:bodyPr lIns="90000" rIns="90000" tIns="45000" bIns="45000"/>
           <a:p>
             <a:pPr>
               <a:lnSpc>
@@ -4947,6 +4782,33 @@
       </p:sp>
     </p:spTree>
   </p:cSld>
+  <p:timing>
+    <p:tnLst>
+      <p:par>
+        <p:cTn id="37" dur="indefinite" restart="never" nodeType="tmRoot">
+          <p:childTnLst>
+            <p:seq>
+              <p:cTn id="38" nodeType="mainSeq"/>
+              <p:prevCondLst>
+                <p:cond delay="0" evt="onPrev">
+                  <p:tgtEl>
+                    <p:sldTgt/>
+                  </p:tgtEl>
+                </p:cond>
+              </p:prevCondLst>
+              <p:nextCondLst>
+                <p:cond delay="0" evt="onNext">
+                  <p:tgtEl>
+                    <p:sldTgt/>
+                  </p:tgtEl>
+                </p:cond>
+              </p:nextCondLst>
+            </p:seq>
+          </p:childTnLst>
+        </p:cTn>
+      </p:par>
+    </p:tnLst>
+  </p:timing>
 </p:sld>
 </file>
 
@@ -4969,14 +4831,14 @@
       </p:grpSpPr>
       <p:sp>
         <p:nvSpPr>
-          <p:cNvPr id="80" name="TextShape 1"/>
-          <p:cNvSpPr txBox="1"/>
+          <p:cNvPr id="74" name="CustomShape 1"/>
+          <p:cNvSpPr/>
           <p:nvPr/>
         </p:nvSpPr>
         <p:spPr>
           <a:xfrm>
             <a:off x="457200" y="274680"/>
-            <a:ext cx="8229240" cy="1142640"/>
+            <a:ext cx="8228880" cy="1142280"/>
           </a:xfrm>
           <a:prstGeom prst="rect">
             <a:avLst/>
@@ -4986,23 +4848,23 @@
             <a:noFill/>
           </a:ln>
         </p:spPr>
-        <p:txBody>
-          <a:bodyPr anchor="ctr"/>
-          <a:p>
-            <a:endParaRPr/>
-          </a:p>
-        </p:txBody>
-      </p:sp>
-      <p:sp>
-        <p:nvSpPr>
-          <p:cNvPr id="81" name="TextShape 2"/>
-          <p:cNvSpPr txBox="1"/>
+        <p:style>
+          <a:lnRef idx="0"/>
+          <a:fillRef idx="0"/>
+          <a:effectRef idx="0"/>
+          <a:fontRef idx="minor"/>
+        </p:style>
+      </p:sp>
+      <p:sp>
+        <p:nvSpPr>
+          <p:cNvPr id="75" name="CustomShape 2"/>
+          <p:cNvSpPr/>
           <p:nvPr/>
         </p:nvSpPr>
         <p:spPr>
           <a:xfrm>
             <a:off x="457200" y="1600200"/>
-            <a:ext cx="8229240" cy="4525560"/>
+            <a:ext cx="8228880" cy="4525200"/>
           </a:xfrm>
           <a:prstGeom prst="rect">
             <a:avLst/>
@@ -5012,16 +4874,16 @@
             <a:noFill/>
           </a:ln>
         </p:spPr>
-        <p:txBody>
-          <a:bodyPr/>
-          <a:p>
-            <a:endParaRPr/>
-          </a:p>
-        </p:txBody>
+        <p:style>
+          <a:lnRef idx="0"/>
+          <a:fillRef idx="0"/>
+          <a:effectRef idx="0"/>
+          <a:fontRef idx="minor"/>
+        </p:style>
       </p:sp>
       <p:pic>
         <p:nvPicPr>
-          <p:cNvPr id="82" name="Picture 2" descr=""/>
+          <p:cNvPr id="76" name="Picture 2" descr=""/>
           <p:cNvPicPr/>
           <p:nvPr/>
         </p:nvPicPr>
@@ -5032,7 +4894,7 @@
         <p:spPr>
           <a:xfrm>
             <a:off x="34920" y="0"/>
-            <a:ext cx="9073800" cy="6865560"/>
+            <a:ext cx="9073440" cy="6865200"/>
           </a:xfrm>
           <a:prstGeom prst="rect">
             <a:avLst/>
@@ -5093,14 +4955,14 @@
       </p:grpSpPr>
       <p:sp>
         <p:nvSpPr>
-          <p:cNvPr id="120" name="TextShape 1"/>
-          <p:cNvSpPr txBox="1"/>
+          <p:cNvPr id="114" name="CustomShape 1"/>
+          <p:cNvSpPr/>
           <p:nvPr/>
         </p:nvSpPr>
         <p:spPr>
           <a:xfrm>
             <a:off x="457200" y="274680"/>
-            <a:ext cx="8229240" cy="1142640"/>
+            <a:ext cx="8228880" cy="1142280"/>
           </a:xfrm>
           <a:prstGeom prst="rect">
             <a:avLst/>
@@ -5110,8 +4972,14 @@
             <a:noFill/>
           </a:ln>
         </p:spPr>
-        <p:txBody>
-          <a:bodyPr anchor="ctr"/>
+        <p:style>
+          <a:lnRef idx="0"/>
+          <a:fillRef idx="0"/>
+          <a:effectRef idx="0"/>
+          <a:fontRef idx="minor"/>
+        </p:style>
+        <p:txBody>
+          <a:bodyPr lIns="90000" rIns="90000" tIns="45000" bIns="45000" anchor="ctr"/>
           <a:p>
             <a:pPr algn="ctr">
               <a:lnSpc>
@@ -5133,14 +5001,14 @@
       </p:sp>
       <p:sp>
         <p:nvSpPr>
-          <p:cNvPr id="121" name="TextShape 2"/>
-          <p:cNvSpPr txBox="1"/>
+          <p:cNvPr id="115" name="CustomShape 2"/>
+          <p:cNvSpPr/>
           <p:nvPr/>
         </p:nvSpPr>
         <p:spPr>
           <a:xfrm>
             <a:off x="457200" y="1600200"/>
-            <a:ext cx="8229240" cy="4525560"/>
+            <a:ext cx="8228880" cy="4525200"/>
           </a:xfrm>
           <a:prstGeom prst="rect">
             <a:avLst/>
@@ -5150,8 +5018,14 @@
             <a:noFill/>
           </a:ln>
         </p:spPr>
-        <p:txBody>
-          <a:bodyPr/>
+        <p:style>
+          <a:lnRef idx="0"/>
+          <a:fillRef idx="0"/>
+          <a:effectRef idx="0"/>
+          <a:fontRef idx="minor"/>
+        </p:style>
+        <p:txBody>
+          <a:bodyPr lIns="90000" rIns="90000" tIns="45000" bIns="45000"/>
           <a:p>
             <a:pPr>
               <a:lnSpc>
@@ -5221,6 +5095,33 @@
       </p:sp>
     </p:spTree>
   </p:cSld>
+  <p:timing>
+    <p:tnLst>
+      <p:par>
+        <p:cTn id="39" dur="indefinite" restart="never" nodeType="tmRoot">
+          <p:childTnLst>
+            <p:seq>
+              <p:cTn id="40" nodeType="mainSeq"/>
+              <p:prevCondLst>
+                <p:cond delay="0" evt="onPrev">
+                  <p:tgtEl>
+                    <p:sldTgt/>
+                  </p:tgtEl>
+                </p:cond>
+              </p:prevCondLst>
+              <p:nextCondLst>
+                <p:cond delay="0" evt="onNext">
+                  <p:tgtEl>
+                    <p:sldTgt/>
+                  </p:tgtEl>
+                </p:cond>
+              </p:nextCondLst>
+            </p:seq>
+          </p:childTnLst>
+        </p:cTn>
+      </p:par>
+    </p:tnLst>
+  </p:timing>
 </p:sld>
 </file>
 
@@ -5243,14 +5144,14 @@
       </p:grpSpPr>
       <p:sp>
         <p:nvSpPr>
-          <p:cNvPr id="122" name="TextShape 1"/>
-          <p:cNvSpPr txBox="1"/>
+          <p:cNvPr id="116" name="CustomShape 1"/>
+          <p:cNvSpPr/>
           <p:nvPr/>
         </p:nvSpPr>
         <p:spPr>
           <a:xfrm>
             <a:off x="457200" y="274680"/>
-            <a:ext cx="8229240" cy="1142640"/>
+            <a:ext cx="8228880" cy="1142280"/>
           </a:xfrm>
           <a:prstGeom prst="rect">
             <a:avLst/>
@@ -5260,8 +5161,14 @@
             <a:noFill/>
           </a:ln>
         </p:spPr>
-        <p:txBody>
-          <a:bodyPr anchor="ctr"/>
+        <p:style>
+          <a:lnRef idx="0"/>
+          <a:fillRef idx="0"/>
+          <a:effectRef idx="0"/>
+          <a:fontRef idx="minor"/>
+        </p:style>
+        <p:txBody>
+          <a:bodyPr lIns="90000" rIns="90000" tIns="45000" bIns="45000" anchor="ctr"/>
           <a:p>
             <a:pPr algn="ctr">
               <a:lnSpc>
@@ -5283,14 +5190,14 @@
       </p:sp>
       <p:sp>
         <p:nvSpPr>
-          <p:cNvPr id="123" name="TextShape 2"/>
-          <p:cNvSpPr txBox="1"/>
+          <p:cNvPr id="117" name="CustomShape 2"/>
+          <p:cNvSpPr/>
           <p:nvPr/>
         </p:nvSpPr>
         <p:spPr>
           <a:xfrm>
             <a:off x="457200" y="1600200"/>
-            <a:ext cx="8229240" cy="4525560"/>
+            <a:ext cx="8228880" cy="4525200"/>
           </a:xfrm>
           <a:prstGeom prst="rect">
             <a:avLst/>
@@ -5300,8 +5207,14 @@
             <a:noFill/>
           </a:ln>
         </p:spPr>
-        <p:txBody>
-          <a:bodyPr/>
+        <p:style>
+          <a:lnRef idx="0"/>
+          <a:fillRef idx="0"/>
+          <a:effectRef idx="0"/>
+          <a:fontRef idx="minor"/>
+        </p:style>
+        <p:txBody>
+          <a:bodyPr lIns="90000" rIns="90000" tIns="45000" bIns="45000"/>
           <a:p>
             <a:pPr>
               <a:lnSpc>
@@ -5412,10 +5325,10 @@
   <p:timing>
     <p:tnLst>
       <p:par>
-        <p:cTn id="33" dur="indefinite" restart="never" nodeType="tmRoot">
+        <p:cTn id="41" dur="indefinite" restart="never" nodeType="tmRoot">
           <p:childTnLst>
             <p:seq>
-              <p:cTn id="34" nodeType="mainSeq"/>
+              <p:cTn id="42" nodeType="mainSeq"/>
               <p:prevCondLst>
                 <p:cond delay="0" evt="onPrev">
                   <p:tgtEl>
@@ -5458,14 +5371,14 @@
       </p:grpSpPr>
       <p:sp>
         <p:nvSpPr>
-          <p:cNvPr id="124" name="TextShape 1"/>
-          <p:cNvSpPr txBox="1"/>
+          <p:cNvPr id="118" name="CustomShape 1"/>
+          <p:cNvSpPr/>
           <p:nvPr/>
         </p:nvSpPr>
         <p:spPr>
           <a:xfrm>
             <a:off x="457200" y="274680"/>
-            <a:ext cx="8229240" cy="1142640"/>
+            <a:ext cx="8228880" cy="1142280"/>
           </a:xfrm>
           <a:prstGeom prst="rect">
             <a:avLst/>
@@ -5475,8 +5388,14 @@
             <a:noFill/>
           </a:ln>
         </p:spPr>
-        <p:txBody>
-          <a:bodyPr anchor="ctr"/>
+        <p:style>
+          <a:lnRef idx="0"/>
+          <a:fillRef idx="0"/>
+          <a:effectRef idx="0"/>
+          <a:fontRef idx="minor"/>
+        </p:style>
+        <p:txBody>
+          <a:bodyPr lIns="90000" rIns="90000" tIns="45000" bIns="45000" anchor="ctr"/>
           <a:p>
             <a:pPr algn="ctr">
               <a:lnSpc>
@@ -5498,14 +5417,14 @@
       </p:sp>
       <p:sp>
         <p:nvSpPr>
-          <p:cNvPr id="125" name="TextShape 2"/>
-          <p:cNvSpPr txBox="1"/>
+          <p:cNvPr id="119" name="CustomShape 2"/>
+          <p:cNvSpPr/>
           <p:nvPr/>
         </p:nvSpPr>
         <p:spPr>
           <a:xfrm>
             <a:off x="457200" y="1600200"/>
-            <a:ext cx="8229240" cy="4525560"/>
+            <a:ext cx="8228880" cy="4525200"/>
           </a:xfrm>
           <a:prstGeom prst="rect">
             <a:avLst/>
@@ -5515,8 +5434,14 @@
             <a:noFill/>
           </a:ln>
         </p:spPr>
-        <p:txBody>
-          <a:bodyPr/>
+        <p:style>
+          <a:lnRef idx="0"/>
+          <a:fillRef idx="0"/>
+          <a:effectRef idx="0"/>
+          <a:fontRef idx="minor"/>
+        </p:style>
+        <p:txBody>
+          <a:bodyPr lIns="90000" rIns="90000" tIns="45000" bIns="45000"/>
           <a:p>
             <a:pPr>
               <a:lnSpc>
@@ -5589,10 +5514,10 @@
   <p:timing>
     <p:tnLst>
       <p:par>
-        <p:cTn id="35" dur="indefinite" restart="never" nodeType="tmRoot">
+        <p:cTn id="43" dur="indefinite" restart="never" nodeType="tmRoot">
           <p:childTnLst>
             <p:seq>
-              <p:cTn id="36" nodeType="mainSeq"/>
+              <p:cTn id="44" nodeType="mainSeq"/>
               <p:prevCondLst>
                 <p:cond delay="0" evt="onPrev">
                   <p:tgtEl>
@@ -5635,14 +5560,14 @@
       </p:grpSpPr>
       <p:sp>
         <p:nvSpPr>
-          <p:cNvPr id="126" name="TextShape 1"/>
-          <p:cNvSpPr txBox="1"/>
+          <p:cNvPr id="120" name="CustomShape 1"/>
+          <p:cNvSpPr/>
           <p:nvPr/>
         </p:nvSpPr>
         <p:spPr>
           <a:xfrm>
             <a:off x="457200" y="274680"/>
-            <a:ext cx="8229240" cy="1142640"/>
+            <a:ext cx="8228880" cy="1142280"/>
           </a:xfrm>
           <a:prstGeom prst="rect">
             <a:avLst/>
@@ -5652,57 +5577,49 @@
             <a:noFill/>
           </a:ln>
         </p:spPr>
-        <p:txBody>
-          <a:bodyPr anchor="ctr"/>
+        <p:style>
+          <a:lnRef idx="0"/>
+          <a:fillRef idx="0"/>
+          <a:effectRef idx="0"/>
+          <a:fontRef idx="minor"/>
+        </p:style>
+        <p:txBody>
+          <a:bodyPr lIns="90000" rIns="90000" tIns="45000" bIns="45000" anchor="ctr"/>
+          <a:p>
+            <a:endParaRPr/>
+          </a:p>
+          <a:p>
+            <a:r>
+              <a:rPr lang="pt-BR" sz="4400" strike="noStrike">
+                <a:solidFill>
+                  <a:srgbClr val="000000"/>
+                </a:solidFill>
+                <a:latin typeface="Calibri"/>
+              </a:rPr>
+              <a:t>Skills, background, attributes</a:t>
+            </a:r>
+            <a:endParaRPr/>
+          </a:p>
           <a:p>
             <a:pPr algn="ctr">
               <a:lnSpc>
                 <a:spcPct val="100000"/>
               </a:lnSpc>
             </a:pPr>
-            <a:r>
-              <a:rPr lang="pt-BR" sz="4400" strike="noStrike">
-                <a:solidFill>
-                  <a:srgbClr val="000000"/>
-                </a:solidFill>
-                <a:latin typeface="Calibri"/>
-              </a:rPr>
-              <a:t>
-</a:t>
-            </a:r>
-            <a:r>
-              <a:rPr lang="pt-BR" sz="4400" strike="noStrike">
-                <a:solidFill>
-                  <a:srgbClr val="000000"/>
-                </a:solidFill>
-                <a:latin typeface="Calibri"/>
-              </a:rPr>
-              <a:t>Skills, background, attributes</a:t>
-            </a:r>
-            <a:r>
-              <a:rPr lang="pt-BR" sz="4400" strike="noStrike">
-                <a:solidFill>
-                  <a:srgbClr val="000000"/>
-                </a:solidFill>
-                <a:latin typeface="Calibri"/>
-              </a:rPr>
-              <a:t>
-</a:t>
-            </a:r>
-            <a:endParaRPr/>
-          </a:p>
-        </p:txBody>
-      </p:sp>
-      <p:sp>
-        <p:nvSpPr>
-          <p:cNvPr id="127" name="TextShape 2"/>
-          <p:cNvSpPr txBox="1"/>
+            <a:endParaRPr/>
+          </a:p>
+        </p:txBody>
+      </p:sp>
+      <p:sp>
+        <p:nvSpPr>
+          <p:cNvPr id="121" name="CustomShape 2"/>
+          <p:cNvSpPr/>
           <p:nvPr/>
         </p:nvSpPr>
         <p:spPr>
           <a:xfrm>
             <a:off x="457200" y="1600200"/>
-            <a:ext cx="8229240" cy="4525560"/>
+            <a:ext cx="8228880" cy="4525200"/>
           </a:xfrm>
           <a:prstGeom prst="rect">
             <a:avLst/>
@@ -5712,8 +5629,14 @@
             <a:noFill/>
           </a:ln>
         </p:spPr>
-        <p:txBody>
-          <a:bodyPr/>
+        <p:style>
+          <a:lnRef idx="0"/>
+          <a:fillRef idx="0"/>
+          <a:effectRef idx="0"/>
+          <a:fontRef idx="minor"/>
+        </p:style>
+        <p:txBody>
+          <a:bodyPr lIns="90000" rIns="90000" tIns="45000" bIns="45000"/>
           <a:p>
             <a:pPr>
               <a:lnSpc>
@@ -5723,7 +5646,7 @@
               <a:buChar char="•"/>
             </a:pPr>
             <a:r>
-              <a:rPr b="1" lang="pt-BR" sz="3200" strike="noStrike">
+              <a:rPr b="1" lang="pt-BR" sz="2800" strike="noStrike">
                 <a:solidFill>
                   <a:srgbClr val="000000"/>
                 </a:solidFill>
@@ -5761,7 +5684,7 @@
               <a:buChar char="•"/>
             </a:pPr>
             <a:r>
-              <a:rPr b="1" lang="pt-BR" sz="3200" strike="noStrike">
+              <a:rPr b="1" lang="pt-BR" sz="2800" strike="noStrike">
                 <a:solidFill>
                   <a:srgbClr val="000000"/>
                 </a:solidFill>
@@ -5824,10 +5747,10 @@
   <p:timing>
     <p:tnLst>
       <p:par>
-        <p:cTn id="37" dur="indefinite" restart="never" nodeType="tmRoot">
+        <p:cTn id="45" dur="indefinite" restart="never" nodeType="tmRoot">
           <p:childTnLst>
             <p:seq>
-              <p:cTn id="38" nodeType="mainSeq"/>
+              <p:cTn id="46" nodeType="mainSeq"/>
               <p:prevCondLst>
                 <p:cond delay="0" evt="onPrev">
                   <p:tgtEl>
@@ -5870,14 +5793,14 @@
       </p:grpSpPr>
       <p:sp>
         <p:nvSpPr>
-          <p:cNvPr id="128" name="TextShape 1"/>
-          <p:cNvSpPr txBox="1"/>
+          <p:cNvPr id="122" name="CustomShape 1"/>
+          <p:cNvSpPr/>
           <p:nvPr/>
         </p:nvSpPr>
         <p:spPr>
           <a:xfrm>
             <a:off x="457200" y="274680"/>
-            <a:ext cx="8229240" cy="1142640"/>
+            <a:ext cx="8228880" cy="1142280"/>
           </a:xfrm>
           <a:prstGeom prst="rect">
             <a:avLst/>
@@ -5887,8 +5810,14 @@
             <a:noFill/>
           </a:ln>
         </p:spPr>
-        <p:txBody>
-          <a:bodyPr anchor="ctr"/>
+        <p:style>
+          <a:lnRef idx="0"/>
+          <a:fillRef idx="0"/>
+          <a:effectRef idx="0"/>
+          <a:fontRef idx="minor"/>
+        </p:style>
+        <p:txBody>
+          <a:bodyPr lIns="90000" rIns="90000" tIns="45000" bIns="45000" anchor="ctr"/>
           <a:p>
             <a:pPr algn="ctr">
               <a:lnSpc>
@@ -5910,14 +5839,14 @@
       </p:sp>
       <p:sp>
         <p:nvSpPr>
-          <p:cNvPr id="129" name="TextShape 2"/>
-          <p:cNvSpPr txBox="1"/>
+          <p:cNvPr id="123" name="CustomShape 2"/>
+          <p:cNvSpPr/>
           <p:nvPr/>
         </p:nvSpPr>
         <p:spPr>
           <a:xfrm>
             <a:off x="457200" y="1600200"/>
-            <a:ext cx="8229240" cy="4525560"/>
+            <a:ext cx="8228880" cy="4525200"/>
           </a:xfrm>
           <a:prstGeom prst="rect">
             <a:avLst/>
@@ -5927,8 +5856,14 @@
             <a:noFill/>
           </a:ln>
         </p:spPr>
-        <p:txBody>
-          <a:bodyPr/>
+        <p:style>
+          <a:lnRef idx="0"/>
+          <a:fillRef idx="0"/>
+          <a:effectRef idx="0"/>
+          <a:fontRef idx="minor"/>
+        </p:style>
+        <p:txBody>
+          <a:bodyPr lIns="90000" rIns="90000" tIns="45000" bIns="45000"/>
           <a:p>
             <a:pPr>
               <a:lnSpc>
@@ -5938,7 +5873,7 @@
               <a:buChar char="•"/>
             </a:pPr>
             <a:r>
-              <a:rPr b="1" lang="pt-BR" sz="3200" strike="noStrike">
+              <a:rPr b="1" lang="pt-BR" sz="2600" strike="noStrike">
                 <a:solidFill>
                   <a:srgbClr val="000000"/>
                 </a:solidFill>
@@ -5957,7 +5892,7 @@
               <a:buChar char="–"/>
             </a:pPr>
             <a:r>
-              <a:rPr lang="pt-BR" sz="2800" strike="noStrike">
+              <a:rPr lang="pt-BR" sz="2600" strike="noStrike">
                 <a:solidFill>
                   <a:srgbClr val="000000"/>
                 </a:solidFill>
@@ -5976,7 +5911,7 @@
               <a:buChar char="–"/>
             </a:pPr>
             <a:r>
-              <a:rPr lang="pt-BR" sz="2800" strike="noStrike">
+              <a:rPr lang="pt-BR" sz="2600" strike="noStrike">
                 <a:solidFill>
                   <a:srgbClr val="000000"/>
                 </a:solidFill>
@@ -5995,7 +5930,7 @@
               <a:buChar char="•"/>
             </a:pPr>
             <a:r>
-              <a:rPr b="1" lang="pt-BR" sz="3200" strike="noStrike">
+              <a:rPr b="1" lang="pt-BR" sz="2600" strike="noStrike">
                 <a:solidFill>
                   <a:srgbClr val="000000"/>
                 </a:solidFill>
@@ -6014,7 +5949,7 @@
               <a:buChar char="–"/>
             </a:pPr>
             <a:r>
-              <a:rPr lang="pt-BR" sz="2800" strike="noStrike">
+              <a:rPr lang="pt-BR" sz="2600" strike="noStrike">
                 <a:solidFill>
                   <a:srgbClr val="000000"/>
                 </a:solidFill>
@@ -6033,7 +5968,7 @@
               <a:buChar char="–"/>
             </a:pPr>
             <a:r>
-              <a:rPr lang="pt-BR" sz="2800" strike="noStrike">
+              <a:rPr lang="pt-BR" sz="2600" strike="noStrike">
                 <a:solidFill>
                   <a:srgbClr val="000000"/>
                 </a:solidFill>
@@ -6058,10 +5993,10 @@
   <p:timing>
     <p:tnLst>
       <p:par>
-        <p:cTn id="39" dur="indefinite" restart="never" nodeType="tmRoot">
+        <p:cTn id="47" dur="indefinite" restart="never" nodeType="tmRoot">
           <p:childTnLst>
             <p:seq>
-              <p:cTn id="40" nodeType="mainSeq"/>
+              <p:cTn id="48" nodeType="mainSeq"/>
               <p:prevCondLst>
                 <p:cond delay="0" evt="onPrev">
                   <p:tgtEl>
@@ -6104,14 +6039,14 @@
       </p:grpSpPr>
       <p:sp>
         <p:nvSpPr>
-          <p:cNvPr id="130" name="TextShape 1"/>
-          <p:cNvSpPr txBox="1"/>
+          <p:cNvPr id="124" name="CustomShape 1"/>
+          <p:cNvSpPr/>
           <p:nvPr/>
         </p:nvSpPr>
         <p:spPr>
           <a:xfrm>
             <a:off x="457200" y="274680"/>
-            <a:ext cx="8229240" cy="1142640"/>
+            <a:ext cx="8228880" cy="1142280"/>
           </a:xfrm>
           <a:prstGeom prst="rect">
             <a:avLst/>
@@ -6121,8 +6056,14 @@
             <a:noFill/>
           </a:ln>
         </p:spPr>
-        <p:txBody>
-          <a:bodyPr anchor="ctr"/>
+        <p:style>
+          <a:lnRef idx="0"/>
+          <a:fillRef idx="0"/>
+          <a:effectRef idx="0"/>
+          <a:fontRef idx="minor"/>
+        </p:style>
+        <p:txBody>
+          <a:bodyPr lIns="90000" rIns="90000" tIns="45000" bIns="45000" anchor="ctr"/>
           <a:p>
             <a:pPr algn="ctr">
               <a:lnSpc>
@@ -6144,14 +6085,14 @@
       </p:sp>
       <p:sp>
         <p:nvSpPr>
-          <p:cNvPr id="131" name="TextShape 2"/>
-          <p:cNvSpPr txBox="1"/>
+          <p:cNvPr id="125" name="CustomShape 2"/>
+          <p:cNvSpPr/>
           <p:nvPr/>
         </p:nvSpPr>
         <p:spPr>
           <a:xfrm>
             <a:off x="457200" y="1600200"/>
-            <a:ext cx="8229240" cy="4525560"/>
+            <a:ext cx="8228880" cy="4525200"/>
           </a:xfrm>
           <a:prstGeom prst="rect">
             <a:avLst/>
@@ -6161,8 +6102,14 @@
             <a:noFill/>
           </a:ln>
         </p:spPr>
-        <p:txBody>
-          <a:bodyPr/>
+        <p:style>
+          <a:lnRef idx="0"/>
+          <a:fillRef idx="0"/>
+          <a:effectRef idx="0"/>
+          <a:fontRef idx="minor"/>
+        </p:style>
+        <p:txBody>
+          <a:bodyPr lIns="90000" rIns="90000" tIns="45000" bIns="45000"/>
           <a:p>
             <a:pPr>
               <a:lnSpc>
@@ -6254,10 +6201,10 @@
   <p:timing>
     <p:tnLst>
       <p:par>
-        <p:cTn id="41" dur="indefinite" restart="never" nodeType="tmRoot">
+        <p:cTn id="49" dur="indefinite" restart="never" nodeType="tmRoot">
           <p:childTnLst>
             <p:seq>
-              <p:cTn id="42" nodeType="mainSeq"/>
+              <p:cTn id="50" nodeType="mainSeq"/>
               <p:prevCondLst>
                 <p:cond delay="0" evt="onPrev">
                   <p:tgtEl>
@@ -6300,14 +6247,14 @@
       </p:grpSpPr>
       <p:sp>
         <p:nvSpPr>
-          <p:cNvPr id="132" name="TextShape 1"/>
-          <p:cNvSpPr txBox="1"/>
+          <p:cNvPr id="126" name="CustomShape 1"/>
+          <p:cNvSpPr/>
           <p:nvPr/>
         </p:nvSpPr>
         <p:spPr>
           <a:xfrm>
             <a:off x="457200" y="274680"/>
-            <a:ext cx="8229240" cy="1142640"/>
+            <a:ext cx="8228880" cy="1142280"/>
           </a:xfrm>
           <a:prstGeom prst="rect">
             <a:avLst/>
@@ -6317,8 +6264,14 @@
             <a:noFill/>
           </a:ln>
         </p:spPr>
-        <p:txBody>
-          <a:bodyPr anchor="ctr"/>
+        <p:style>
+          <a:lnRef idx="0"/>
+          <a:fillRef idx="0"/>
+          <a:effectRef idx="0"/>
+          <a:fontRef idx="minor"/>
+        </p:style>
+        <p:txBody>
+          <a:bodyPr lIns="90000" rIns="90000" tIns="45000" bIns="45000" anchor="ctr"/>
           <a:p>
             <a:pPr algn="ctr">
               <a:lnSpc>
@@ -6340,14 +6293,14 @@
       </p:sp>
       <p:sp>
         <p:nvSpPr>
-          <p:cNvPr id="133" name="TextShape 2"/>
-          <p:cNvSpPr txBox="1"/>
+          <p:cNvPr id="127" name="CustomShape 2"/>
+          <p:cNvSpPr/>
           <p:nvPr/>
         </p:nvSpPr>
         <p:spPr>
           <a:xfrm>
             <a:off x="457200" y="1600200"/>
-            <a:ext cx="8229240" cy="4525560"/>
+            <a:ext cx="8228880" cy="4525200"/>
           </a:xfrm>
           <a:prstGeom prst="rect">
             <a:avLst/>
@@ -6357,8 +6310,14 @@
             <a:noFill/>
           </a:ln>
         </p:spPr>
-        <p:txBody>
-          <a:bodyPr/>
+        <p:style>
+          <a:lnRef idx="0"/>
+          <a:fillRef idx="0"/>
+          <a:effectRef idx="0"/>
+          <a:fontRef idx="minor"/>
+        </p:style>
+        <p:txBody>
+          <a:bodyPr lIns="90000" rIns="90000" tIns="45000" bIns="45000"/>
           <a:p>
             <a:pPr>
               <a:lnSpc>
@@ -6368,7 +6327,7 @@
               <a:buChar char="•"/>
             </a:pPr>
             <a:r>
-              <a:rPr lang="pt-BR" sz="3200" strike="noStrike">
+              <a:rPr lang="pt-BR" sz="2800" strike="noStrike">
                 <a:solidFill>
                   <a:srgbClr val="000000"/>
                 </a:solidFill>
@@ -6387,7 +6346,7 @@
               <a:buChar char="•"/>
             </a:pPr>
             <a:r>
-              <a:rPr lang="pt-BR" sz="3200" strike="noStrike">
+              <a:rPr lang="pt-BR" sz="2800" strike="noStrike">
                 <a:solidFill>
                   <a:srgbClr val="000000"/>
                 </a:solidFill>
@@ -6406,7 +6365,7 @@
               <a:buChar char="•"/>
             </a:pPr>
             <a:r>
-              <a:rPr lang="pt-BR" sz="3200" strike="noStrike">
+              <a:rPr lang="pt-BR" sz="2800" strike="noStrike">
                 <a:solidFill>
                   <a:srgbClr val="000000"/>
                 </a:solidFill>
@@ -6425,7 +6384,7 @@
               <a:buChar char="•"/>
             </a:pPr>
             <a:r>
-              <a:rPr lang="pt-BR" sz="3200" strike="noStrike">
+              <a:rPr lang="pt-BR" sz="2800" strike="noStrike">
                 <a:solidFill>
                   <a:srgbClr val="000000"/>
                 </a:solidFill>
@@ -6444,7 +6403,7 @@
               <a:buChar char="•"/>
             </a:pPr>
             <a:r>
-              <a:rPr lang="pt-BR" sz="3200" strike="noStrike">
+              <a:rPr lang="pt-BR" sz="2800" strike="noStrike">
                 <a:solidFill>
                   <a:srgbClr val="000000"/>
                 </a:solidFill>
@@ -6463,7 +6422,7 @@
               <a:buChar char="•"/>
             </a:pPr>
             <a:r>
-              <a:rPr lang="pt-BR" sz="3200" strike="noStrike">
+              <a:rPr lang="pt-BR" sz="2800" strike="noStrike">
                 <a:solidFill>
                   <a:srgbClr val="000000"/>
                 </a:solidFill>
@@ -6488,10 +6447,10 @@
   <p:timing>
     <p:tnLst>
       <p:par>
-        <p:cTn id="43" dur="indefinite" restart="never" nodeType="tmRoot">
+        <p:cTn id="51" dur="indefinite" restart="never" nodeType="tmRoot">
           <p:childTnLst>
             <p:seq>
-              <p:cTn id="44" nodeType="mainSeq"/>
+              <p:cTn id="52" nodeType="mainSeq"/>
               <p:prevCondLst>
                 <p:cond delay="0" evt="onPrev">
                   <p:tgtEl>
@@ -6534,14 +6493,14 @@
       </p:grpSpPr>
       <p:sp>
         <p:nvSpPr>
-          <p:cNvPr id="134" name="TextShape 1"/>
-          <p:cNvSpPr txBox="1"/>
+          <p:cNvPr id="128" name="CustomShape 1"/>
+          <p:cNvSpPr/>
           <p:nvPr/>
         </p:nvSpPr>
         <p:spPr>
           <a:xfrm>
             <a:off x="457200" y="274680"/>
-            <a:ext cx="8229240" cy="1142640"/>
+            <a:ext cx="8228880" cy="1142280"/>
           </a:xfrm>
           <a:prstGeom prst="rect">
             <a:avLst/>
@@ -6551,8 +6510,14 @@
             <a:noFill/>
           </a:ln>
         </p:spPr>
-        <p:txBody>
-          <a:bodyPr anchor="ctr"/>
+        <p:style>
+          <a:lnRef idx="0"/>
+          <a:fillRef idx="0"/>
+          <a:effectRef idx="0"/>
+          <a:fontRef idx="minor"/>
+        </p:style>
+        <p:txBody>
+          <a:bodyPr lIns="90000" rIns="90000" tIns="45000" bIns="45000" anchor="ctr"/>
           <a:p>
             <a:pPr algn="ctr">
               <a:lnSpc>
@@ -6574,14 +6539,14 @@
       </p:sp>
       <p:sp>
         <p:nvSpPr>
-          <p:cNvPr id="135" name="TextShape 2"/>
-          <p:cNvSpPr txBox="1"/>
+          <p:cNvPr id="129" name="CustomShape 2"/>
+          <p:cNvSpPr/>
           <p:nvPr/>
         </p:nvSpPr>
         <p:spPr>
           <a:xfrm>
             <a:off x="457200" y="1600200"/>
-            <a:ext cx="8229240" cy="4525560"/>
+            <a:ext cx="8228880" cy="4525200"/>
           </a:xfrm>
           <a:prstGeom prst="rect">
             <a:avLst/>
@@ -6591,8 +6556,14 @@
             <a:noFill/>
           </a:ln>
         </p:spPr>
-        <p:txBody>
-          <a:bodyPr/>
+        <p:style>
+          <a:lnRef idx="0"/>
+          <a:fillRef idx="0"/>
+          <a:effectRef idx="0"/>
+          <a:fontRef idx="minor"/>
+        </p:style>
+        <p:txBody>
+          <a:bodyPr lIns="90000" rIns="90000" tIns="45000" bIns="45000"/>
           <a:p>
             <a:pPr>
               <a:lnSpc>
@@ -6602,7 +6573,7 @@
               <a:buChar char="•"/>
             </a:pPr>
             <a:r>
-              <a:rPr lang="pt-BR" sz="3200" strike="noStrike">
+              <a:rPr lang="pt-BR" sz="2800" strike="noStrike">
                 <a:solidFill>
                   <a:srgbClr val="000000"/>
                 </a:solidFill>
@@ -6621,7 +6592,7 @@
               <a:buChar char="•"/>
             </a:pPr>
             <a:r>
-              <a:rPr lang="pt-BR" sz="3200" strike="noStrike">
+              <a:rPr lang="pt-BR" sz="2800" strike="noStrike">
                 <a:solidFill>
                   <a:srgbClr val="000000"/>
                 </a:solidFill>
@@ -6640,7 +6611,7 @@
               <a:buChar char="•"/>
             </a:pPr>
             <a:r>
-              <a:rPr lang="pt-BR" sz="3200" strike="noStrike">
+              <a:rPr lang="pt-BR" sz="2800" strike="noStrike">
                 <a:solidFill>
                   <a:srgbClr val="000000"/>
                 </a:solidFill>
@@ -6659,7 +6630,7 @@
               <a:buChar char="•"/>
             </a:pPr>
             <a:r>
-              <a:rPr lang="pt-BR" sz="3200" strike="noStrike">
+              <a:rPr lang="pt-BR" sz="2800" strike="noStrike">
                 <a:solidFill>
                   <a:srgbClr val="000000"/>
                 </a:solidFill>
@@ -6678,7 +6649,7 @@
               <a:buChar char="•"/>
             </a:pPr>
             <a:r>
-              <a:rPr lang="pt-BR" sz="3200" strike="noStrike">
+              <a:rPr lang="pt-BR" sz="2800" strike="noStrike">
                 <a:solidFill>
                   <a:srgbClr val="000000"/>
                 </a:solidFill>
@@ -6697,7 +6668,7 @@
               <a:buChar char="•"/>
             </a:pPr>
             <a:r>
-              <a:rPr lang="pt-BR" sz="3200" strike="noStrike">
+              <a:rPr lang="pt-BR" sz="2800" strike="noStrike">
                 <a:solidFill>
                   <a:srgbClr val="000000"/>
                 </a:solidFill>
@@ -6722,10 +6693,10 @@
   <p:timing>
     <p:tnLst>
       <p:par>
-        <p:cTn id="45" dur="indefinite" restart="never" nodeType="tmRoot">
+        <p:cTn id="53" dur="indefinite" restart="never" nodeType="tmRoot">
           <p:childTnLst>
             <p:seq>
-              <p:cTn id="46" nodeType="mainSeq"/>
+              <p:cTn id="54" nodeType="mainSeq"/>
               <p:prevCondLst>
                 <p:cond delay="0" evt="onPrev">
                   <p:tgtEl>
@@ -6768,14 +6739,14 @@
       </p:grpSpPr>
       <p:sp>
         <p:nvSpPr>
-          <p:cNvPr id="136" name="TextShape 1"/>
-          <p:cNvSpPr txBox="1"/>
+          <p:cNvPr id="130" name="CustomShape 1"/>
+          <p:cNvSpPr/>
           <p:nvPr/>
         </p:nvSpPr>
         <p:spPr>
           <a:xfrm>
             <a:off x="457200" y="116640"/>
-            <a:ext cx="8229240" cy="503640"/>
+            <a:ext cx="8228880" cy="503280"/>
           </a:xfrm>
           <a:prstGeom prst="rect">
             <a:avLst/>
@@ -6785,8 +6756,14 @@
             <a:noFill/>
           </a:ln>
         </p:spPr>
-        <p:txBody>
-          <a:bodyPr anchor="ctr"/>
+        <p:style>
+          <a:lnRef idx="0"/>
+          <a:fillRef idx="0"/>
+          <a:effectRef idx="0"/>
+          <a:fontRef idx="minor"/>
+        </p:style>
+        <p:txBody>
+          <a:bodyPr lIns="90000" rIns="90000" tIns="45000" bIns="45000" anchor="ctr"/>
           <a:p>
             <a:pPr algn="ctr">
               <a:lnSpc>
@@ -6808,14 +6785,14 @@
       </p:sp>
       <p:sp>
         <p:nvSpPr>
-          <p:cNvPr id="137" name="TextShape 2"/>
-          <p:cNvSpPr txBox="1"/>
+          <p:cNvPr id="131" name="CustomShape 2"/>
+          <p:cNvSpPr/>
           <p:nvPr/>
         </p:nvSpPr>
         <p:spPr>
           <a:xfrm>
             <a:off x="35640" y="775080"/>
-            <a:ext cx="8856720" cy="4525560"/>
+            <a:ext cx="8856360" cy="4525200"/>
           </a:xfrm>
           <a:prstGeom prst="rect">
             <a:avLst/>
@@ -6825,8 +6802,14 @@
             <a:noFill/>
           </a:ln>
         </p:spPr>
-        <p:txBody>
-          <a:bodyPr/>
+        <p:style>
+          <a:lnRef idx="0"/>
+          <a:fillRef idx="0"/>
+          <a:effectRef idx="0"/>
+          <a:fontRef idx="minor"/>
+        </p:style>
+        <p:txBody>
+          <a:bodyPr lIns="90000" rIns="90000" tIns="45000" bIns="45000"/>
           <a:p>
             <a:pPr>
               <a:lnSpc>
@@ -7363,10 +7346,10 @@
   <p:timing>
     <p:tnLst>
       <p:par>
-        <p:cTn id="47" dur="indefinite" restart="never" nodeType="tmRoot">
+        <p:cTn id="55" dur="indefinite" restart="never" nodeType="tmRoot">
           <p:childTnLst>
             <p:seq>
-              <p:cTn id="48" nodeType="mainSeq"/>
+              <p:cTn id="56" nodeType="mainSeq"/>
               <p:prevCondLst>
                 <p:cond delay="0" evt="onPrev">
                   <p:tgtEl>
@@ -7409,14 +7392,14 @@
       </p:grpSpPr>
       <p:sp>
         <p:nvSpPr>
-          <p:cNvPr id="138" name="TextShape 1"/>
-          <p:cNvSpPr txBox="1"/>
+          <p:cNvPr id="132" name="CustomShape 1"/>
+          <p:cNvSpPr/>
           <p:nvPr/>
         </p:nvSpPr>
         <p:spPr>
           <a:xfrm>
             <a:off x="457200" y="274680"/>
-            <a:ext cx="8229240" cy="1142640"/>
+            <a:ext cx="8228880" cy="1142280"/>
           </a:xfrm>
           <a:prstGeom prst="rect">
             <a:avLst/>
@@ -7426,8 +7409,14 @@
             <a:noFill/>
           </a:ln>
         </p:spPr>
-        <p:txBody>
-          <a:bodyPr anchor="ctr"/>
+        <p:style>
+          <a:lnRef idx="0"/>
+          <a:fillRef idx="0"/>
+          <a:effectRef idx="0"/>
+          <a:fontRef idx="minor"/>
+        </p:style>
+        <p:txBody>
+          <a:bodyPr lIns="90000" rIns="90000" tIns="45000" bIns="45000" anchor="ctr"/>
           <a:p>
             <a:pPr algn="ctr">
               <a:lnSpc>
@@ -7449,14 +7438,14 @@
       </p:sp>
       <p:sp>
         <p:nvSpPr>
-          <p:cNvPr id="139" name="TextShape 2"/>
-          <p:cNvSpPr txBox="1"/>
+          <p:cNvPr id="133" name="CustomShape 2"/>
+          <p:cNvSpPr/>
           <p:nvPr/>
         </p:nvSpPr>
         <p:spPr>
           <a:xfrm>
             <a:off x="457200" y="1600200"/>
-            <a:ext cx="8229240" cy="4525560"/>
+            <a:ext cx="8228880" cy="4525200"/>
           </a:xfrm>
           <a:prstGeom prst="rect">
             <a:avLst/>
@@ -7466,8 +7455,14 @@
             <a:noFill/>
           </a:ln>
         </p:spPr>
-        <p:txBody>
-          <a:bodyPr/>
+        <p:style>
+          <a:lnRef idx="0"/>
+          <a:fillRef idx="0"/>
+          <a:effectRef idx="0"/>
+          <a:fontRef idx="minor"/>
+        </p:style>
+        <p:txBody>
+          <a:bodyPr lIns="90000" rIns="90000" tIns="45000" bIns="45000"/>
           <a:p>
             <a:pPr>
               <a:lnSpc>
@@ -7540,10 +7535,10 @@
   <p:timing>
     <p:tnLst>
       <p:par>
-        <p:cTn id="49" dur="indefinite" restart="never" nodeType="tmRoot">
+        <p:cTn id="57" dur="indefinite" restart="never" nodeType="tmRoot">
           <p:childTnLst>
             <p:seq>
-              <p:cTn id="50" nodeType="mainSeq"/>
+              <p:cTn id="58" nodeType="mainSeq"/>
               <p:prevCondLst>
                 <p:cond delay="0" evt="onPrev">
                   <p:tgtEl>
@@ -7586,14 +7581,14 @@
       </p:grpSpPr>
       <p:sp>
         <p:nvSpPr>
-          <p:cNvPr id="83" name="TextShape 1"/>
-          <p:cNvSpPr txBox="1"/>
+          <p:cNvPr id="77" name="CustomShape 1"/>
+          <p:cNvSpPr/>
           <p:nvPr/>
         </p:nvSpPr>
         <p:spPr>
           <a:xfrm>
             <a:off x="457200" y="274680"/>
-            <a:ext cx="8229240" cy="1142640"/>
+            <a:ext cx="8228880" cy="1142280"/>
           </a:xfrm>
           <a:prstGeom prst="rect">
             <a:avLst/>
@@ -7603,23 +7598,23 @@
             <a:noFill/>
           </a:ln>
         </p:spPr>
-        <p:txBody>
-          <a:bodyPr anchor="ctr"/>
-          <a:p>
-            <a:endParaRPr/>
-          </a:p>
-        </p:txBody>
-      </p:sp>
-      <p:sp>
-        <p:nvSpPr>
-          <p:cNvPr id="84" name="TextShape 2"/>
-          <p:cNvSpPr txBox="1"/>
+        <p:style>
+          <a:lnRef idx="0"/>
+          <a:fillRef idx="0"/>
+          <a:effectRef idx="0"/>
+          <a:fontRef idx="minor"/>
+        </p:style>
+      </p:sp>
+      <p:sp>
+        <p:nvSpPr>
+          <p:cNvPr id="78" name="CustomShape 2"/>
+          <p:cNvSpPr/>
           <p:nvPr/>
         </p:nvSpPr>
         <p:spPr>
           <a:xfrm>
             <a:off x="457200" y="1600200"/>
-            <a:ext cx="8229240" cy="4525560"/>
+            <a:ext cx="8228880" cy="4525200"/>
           </a:xfrm>
           <a:prstGeom prst="rect">
             <a:avLst/>
@@ -7629,16 +7624,16 @@
             <a:noFill/>
           </a:ln>
         </p:spPr>
-        <p:txBody>
-          <a:bodyPr/>
-          <a:p>
-            <a:endParaRPr/>
-          </a:p>
-        </p:txBody>
+        <p:style>
+          <a:lnRef idx="0"/>
+          <a:fillRef idx="0"/>
+          <a:effectRef idx="0"/>
+          <a:fontRef idx="minor"/>
+        </p:style>
       </p:sp>
       <p:pic>
         <p:nvPicPr>
-          <p:cNvPr id="85" name="Picture 2" descr=""/>
+          <p:cNvPr id="79" name="Picture 2" descr=""/>
           <p:cNvPicPr/>
           <p:nvPr/>
         </p:nvPicPr>
@@ -7649,7 +7644,7 @@
         <p:spPr>
           <a:xfrm>
             <a:off x="34920" y="266760"/>
-            <a:ext cx="9073800" cy="6322680"/>
+            <a:ext cx="9073440" cy="6322320"/>
           </a:xfrm>
           <a:prstGeom prst="rect">
             <a:avLst/>
@@ -7710,14 +7705,14 @@
       </p:grpSpPr>
       <p:sp>
         <p:nvSpPr>
-          <p:cNvPr id="86" name="TextShape 1"/>
-          <p:cNvSpPr txBox="1"/>
+          <p:cNvPr id="80" name="CustomShape 1"/>
+          <p:cNvSpPr/>
           <p:nvPr/>
         </p:nvSpPr>
         <p:spPr>
           <a:xfrm>
             <a:off x="457200" y="274680"/>
-            <a:ext cx="8229240" cy="1142640"/>
+            <a:ext cx="8228880" cy="1142280"/>
           </a:xfrm>
           <a:prstGeom prst="rect">
             <a:avLst/>
@@ -7727,8 +7722,14 @@
             <a:noFill/>
           </a:ln>
         </p:spPr>
-        <p:txBody>
-          <a:bodyPr anchor="ctr"/>
+        <p:style>
+          <a:lnRef idx="0"/>
+          <a:fillRef idx="0"/>
+          <a:effectRef idx="0"/>
+          <a:fontRef idx="minor"/>
+        </p:style>
+        <p:txBody>
+          <a:bodyPr lIns="90000" rIns="90000" tIns="45000" bIns="45000" anchor="ctr"/>
           <a:p>
             <a:pPr algn="ctr">
               <a:lnSpc>
@@ -7750,14 +7751,14 @@
       </p:sp>
       <p:sp>
         <p:nvSpPr>
-          <p:cNvPr id="87" name="TextShape 2"/>
-          <p:cNvSpPr txBox="1"/>
+          <p:cNvPr id="81" name="CustomShape 2"/>
+          <p:cNvSpPr/>
           <p:nvPr/>
         </p:nvSpPr>
         <p:spPr>
           <a:xfrm>
             <a:off x="457200" y="1600200"/>
-            <a:ext cx="8229240" cy="4525560"/>
+            <a:ext cx="8228880" cy="4525200"/>
           </a:xfrm>
           <a:prstGeom prst="rect">
             <a:avLst/>
@@ -7767,8 +7768,14 @@
             <a:noFill/>
           </a:ln>
         </p:spPr>
-        <p:txBody>
-          <a:bodyPr/>
+        <p:style>
+          <a:lnRef idx="0"/>
+          <a:fillRef idx="0"/>
+          <a:effectRef idx="0"/>
+          <a:fontRef idx="minor"/>
+        </p:style>
+        <p:txBody>
+          <a:bodyPr lIns="90000" rIns="90000" tIns="45000" bIns="45000"/>
           <a:p>
             <a:pPr>
               <a:lnSpc>
@@ -7778,7 +7785,7 @@
               <a:buChar char="•"/>
             </a:pPr>
             <a:r>
-              <a:rPr lang="pt-BR" sz="3200" strike="noStrike">
+              <a:rPr lang="pt-BR" sz="2400" strike="noStrike">
                 <a:solidFill>
                   <a:srgbClr val="000000"/>
                 </a:solidFill>
@@ -7797,7 +7804,7 @@
               <a:buChar char="•"/>
             </a:pPr>
             <a:r>
-              <a:rPr lang="pt-BR" sz="3200" strike="noStrike">
+              <a:rPr lang="pt-BR" sz="2400" strike="noStrike">
                 <a:solidFill>
                   <a:srgbClr val="000000"/>
                 </a:solidFill>
@@ -7806,7 +7813,7 @@
               <a:t>“</a:t>
             </a:r>
             <a:r>
-              <a:rPr lang="pt-BR" sz="3200" strike="noStrike">
+              <a:rPr lang="pt-BR" sz="2400" strike="noStrike">
                 <a:solidFill>
                   <a:srgbClr val="000000"/>
                 </a:solidFill>
@@ -7825,7 +7832,7 @@
               <a:buChar char="•"/>
             </a:pPr>
             <a:r>
-              <a:rPr lang="pt-BR" sz="3200" strike="noStrike">
+              <a:rPr lang="pt-BR" sz="2400" strike="noStrike">
                 <a:solidFill>
                   <a:srgbClr val="000000"/>
                 </a:solidFill>
@@ -7834,7 +7841,7 @@
               <a:t>“</a:t>
             </a:r>
             <a:r>
-              <a:rPr lang="pt-BR" sz="3200" strike="noStrike">
+              <a:rPr lang="pt-BR" sz="2400" strike="noStrike">
                 <a:solidFill>
                   <a:srgbClr val="000000"/>
                 </a:solidFill>
@@ -7853,7 +7860,7 @@
               <a:buChar char="•"/>
             </a:pPr>
             <a:r>
-              <a:rPr lang="pt-BR" sz="3200" strike="noStrike">
+              <a:rPr lang="pt-BR" sz="2400" strike="noStrike">
                 <a:solidFill>
                   <a:srgbClr val="000000"/>
                 </a:solidFill>
@@ -7862,7 +7869,7 @@
               <a:t>“</a:t>
             </a:r>
             <a:r>
-              <a:rPr lang="pt-BR" sz="3200" strike="noStrike">
+              <a:rPr lang="pt-BR" sz="2400" strike="noStrike">
                 <a:solidFill>
                   <a:srgbClr val="000000"/>
                 </a:solidFill>
@@ -7933,14 +7940,14 @@
       </p:grpSpPr>
       <p:sp>
         <p:nvSpPr>
-          <p:cNvPr id="88" name="TextShape 1"/>
-          <p:cNvSpPr txBox="1"/>
+          <p:cNvPr id="82" name="CustomShape 1"/>
+          <p:cNvSpPr/>
           <p:nvPr/>
         </p:nvSpPr>
         <p:spPr>
           <a:xfrm>
             <a:off x="457200" y="274680"/>
-            <a:ext cx="8229240" cy="1142640"/>
+            <a:ext cx="8228880" cy="1142280"/>
           </a:xfrm>
           <a:prstGeom prst="rect">
             <a:avLst/>
@@ -7950,8 +7957,14 @@
             <a:noFill/>
           </a:ln>
         </p:spPr>
-        <p:txBody>
-          <a:bodyPr anchor="ctr"/>
+        <p:style>
+          <a:lnRef idx="0"/>
+          <a:fillRef idx="0"/>
+          <a:effectRef idx="0"/>
+          <a:fontRef idx="minor"/>
+        </p:style>
+        <p:txBody>
+          <a:bodyPr lIns="90000" rIns="90000" tIns="45000" bIns="45000" anchor="ctr"/>
           <a:p>
             <a:pPr algn="ctr">
               <a:lnSpc>
@@ -7973,14 +7986,14 @@
       </p:sp>
       <p:sp>
         <p:nvSpPr>
-          <p:cNvPr id="89" name="TextShape 2"/>
-          <p:cNvSpPr txBox="1"/>
+          <p:cNvPr id="83" name="CustomShape 2"/>
+          <p:cNvSpPr/>
           <p:nvPr/>
         </p:nvSpPr>
         <p:spPr>
           <a:xfrm>
             <a:off x="457200" y="1600200"/>
-            <a:ext cx="8229240" cy="4525560"/>
+            <a:ext cx="8228880" cy="4525200"/>
           </a:xfrm>
           <a:prstGeom prst="rect">
             <a:avLst/>
@@ -7990,8 +8003,14 @@
             <a:noFill/>
           </a:ln>
         </p:spPr>
-        <p:txBody>
-          <a:bodyPr/>
+        <p:style>
+          <a:lnRef idx="0"/>
+          <a:fillRef idx="0"/>
+          <a:effectRef idx="0"/>
+          <a:fontRef idx="minor"/>
+        </p:style>
+        <p:txBody>
+          <a:bodyPr lIns="90000" rIns="90000" tIns="45000" bIns="45000"/>
           <a:p>
             <a:pPr>
               <a:lnSpc>
@@ -8001,7 +8020,7 @@
               <a:buChar char="•"/>
             </a:pPr>
             <a:r>
-              <a:rPr lang="pt-BR" sz="3200" strike="noStrike">
+              <a:rPr lang="pt-BR" sz="2400" strike="noStrike">
                 <a:solidFill>
                   <a:srgbClr val="000000"/>
                 </a:solidFill>
@@ -8010,7 +8029,7 @@
               <a:t>“</a:t>
             </a:r>
             <a:r>
-              <a:rPr lang="pt-BR" sz="3200" strike="noStrike">
+              <a:rPr lang="pt-BR" sz="2400" strike="noStrike">
                 <a:solidFill>
                   <a:srgbClr val="000000"/>
                 </a:solidFill>
@@ -8029,7 +8048,7 @@
               <a:buChar char="•"/>
             </a:pPr>
             <a:r>
-              <a:rPr lang="pt-BR" sz="3200" strike="noStrike">
+              <a:rPr lang="pt-BR" sz="2400" strike="noStrike">
                 <a:solidFill>
                   <a:srgbClr val="000000"/>
                 </a:solidFill>
@@ -8038,7 +8057,7 @@
               <a:t>“</a:t>
             </a:r>
             <a:r>
-              <a:rPr lang="pt-BR" sz="3200" strike="noStrike">
+              <a:rPr lang="pt-BR" sz="2400" strike="noStrike">
                 <a:solidFill>
                   <a:srgbClr val="000000"/>
                 </a:solidFill>
@@ -8057,7 +8076,7 @@
               <a:buChar char="•"/>
             </a:pPr>
             <a:r>
-              <a:rPr lang="pt-BR" sz="3200" strike="noStrike">
+              <a:rPr lang="pt-BR" sz="2400" strike="noStrike">
                 <a:solidFill>
                   <a:srgbClr val="000000"/>
                 </a:solidFill>
@@ -8066,7 +8085,7 @@
               <a:t>“</a:t>
             </a:r>
             <a:r>
-              <a:rPr lang="pt-BR" sz="3200" strike="noStrike">
+              <a:rPr lang="pt-BR" sz="2400" strike="noStrike">
                 <a:solidFill>
                   <a:srgbClr val="000000"/>
                 </a:solidFill>
@@ -8137,14 +8156,14 @@
       </p:grpSpPr>
       <p:sp>
         <p:nvSpPr>
-          <p:cNvPr id="90" name="TextShape 1"/>
-          <p:cNvSpPr txBox="1"/>
+          <p:cNvPr id="84" name="CustomShape 1"/>
+          <p:cNvSpPr/>
           <p:nvPr/>
         </p:nvSpPr>
         <p:spPr>
           <a:xfrm>
             <a:off x="457200" y="274680"/>
-            <a:ext cx="8229240" cy="1142640"/>
+            <a:ext cx="8228880" cy="1142280"/>
           </a:xfrm>
           <a:prstGeom prst="rect">
             <a:avLst/>
@@ -8154,8 +8173,14 @@
             <a:noFill/>
           </a:ln>
         </p:spPr>
-        <p:txBody>
-          <a:bodyPr anchor="ctr"/>
+        <p:style>
+          <a:lnRef idx="0"/>
+          <a:fillRef idx="0"/>
+          <a:effectRef idx="0"/>
+          <a:fontRef idx="minor"/>
+        </p:style>
+        <p:txBody>
+          <a:bodyPr lIns="90000" rIns="90000" tIns="45000" bIns="45000" anchor="ctr"/>
           <a:p>
             <a:pPr algn="ctr">
               <a:lnSpc>
@@ -8177,14 +8202,14 @@
       </p:sp>
       <p:sp>
         <p:nvSpPr>
-          <p:cNvPr id="91" name="TextShape 2"/>
-          <p:cNvSpPr txBox="1"/>
+          <p:cNvPr id="85" name="CustomShape 2"/>
+          <p:cNvSpPr/>
           <p:nvPr/>
         </p:nvSpPr>
         <p:spPr>
           <a:xfrm>
             <a:off x="457200" y="1600200"/>
-            <a:ext cx="8229240" cy="4525560"/>
+            <a:ext cx="8228880" cy="4525200"/>
           </a:xfrm>
           <a:prstGeom prst="rect">
             <a:avLst/>
@@ -8194,8 +8219,14 @@
             <a:noFill/>
           </a:ln>
         </p:spPr>
-        <p:txBody>
-          <a:bodyPr/>
+        <p:style>
+          <a:lnRef idx="0"/>
+          <a:fillRef idx="0"/>
+          <a:effectRef idx="0"/>
+          <a:fontRef idx="minor"/>
+        </p:style>
+        <p:txBody>
+          <a:bodyPr lIns="90000" rIns="90000" tIns="45000" bIns="45000"/>
           <a:p>
             <a:pPr>
               <a:lnSpc>
@@ -8205,7 +8236,7 @@
               <a:buChar char="•"/>
             </a:pPr>
             <a:r>
-              <a:rPr lang="pt-BR" sz="3200" strike="noStrike">
+              <a:rPr lang="pt-BR" sz="2400" strike="noStrike">
                 <a:solidFill>
                   <a:srgbClr val="000000"/>
                 </a:solidFill>
@@ -8214,7 +8245,7 @@
               <a:t>“</a:t>
             </a:r>
             <a:r>
-              <a:rPr lang="pt-BR" sz="3200" strike="noStrike">
+              <a:rPr lang="pt-BR" sz="2400" strike="noStrike">
                 <a:solidFill>
                   <a:srgbClr val="000000"/>
                 </a:solidFill>
@@ -8233,7 +8264,7 @@
               <a:buChar char="•"/>
             </a:pPr>
             <a:r>
-              <a:rPr lang="pt-BR" sz="3200" strike="noStrike">
+              <a:rPr lang="pt-BR" sz="2400" strike="noStrike">
                 <a:solidFill>
                   <a:srgbClr val="000000"/>
                 </a:solidFill>
@@ -8252,7 +8283,7 @@
               <a:buChar char="–"/>
             </a:pPr>
             <a:r>
-              <a:rPr lang="pt-BR" sz="2800" strike="noStrike">
+              <a:rPr lang="pt-BR" sz="2400" strike="noStrike">
                 <a:solidFill>
                   <a:srgbClr val="000000"/>
                 </a:solidFill>
@@ -8271,7 +8302,7 @@
               <a:buChar char="–"/>
             </a:pPr>
             <a:r>
-              <a:rPr lang="pt-BR" sz="2800" strike="noStrike">
+              <a:rPr lang="pt-BR" sz="2400" strike="noStrike">
                 <a:solidFill>
                   <a:srgbClr val="000000"/>
                 </a:solidFill>
@@ -8290,7 +8321,7 @@
               <a:buChar char="–"/>
             </a:pPr>
             <a:r>
-              <a:rPr lang="pt-BR" sz="2800" strike="noStrike">
+              <a:rPr lang="pt-BR" sz="2400" strike="noStrike">
                 <a:solidFill>
                   <a:srgbClr val="000000"/>
                 </a:solidFill>
@@ -8309,7 +8340,7 @@
               <a:buChar char="•"/>
             </a:pPr>
             <a:r>
-              <a:rPr lang="pt-BR" sz="3200" strike="noStrike">
+              <a:rPr lang="pt-BR" sz="2400" strike="noStrike">
                 <a:solidFill>
                   <a:srgbClr val="000000"/>
                 </a:solidFill>
@@ -8380,14 +8411,14 @@
       </p:grpSpPr>
       <p:sp>
         <p:nvSpPr>
-          <p:cNvPr id="92" name="TextShape 1"/>
-          <p:cNvSpPr txBox="1"/>
+          <p:cNvPr id="86" name="CustomShape 1"/>
+          <p:cNvSpPr/>
           <p:nvPr/>
         </p:nvSpPr>
         <p:spPr>
           <a:xfrm>
             <a:off x="457200" y="274680"/>
-            <a:ext cx="8229240" cy="1142640"/>
+            <a:ext cx="8228880" cy="1142280"/>
           </a:xfrm>
           <a:prstGeom prst="rect">
             <a:avLst/>
@@ -8397,8 +8428,14 @@
             <a:noFill/>
           </a:ln>
         </p:spPr>
-        <p:txBody>
-          <a:bodyPr anchor="ctr"/>
+        <p:style>
+          <a:lnRef idx="0"/>
+          <a:fillRef idx="0"/>
+          <a:effectRef idx="0"/>
+          <a:fontRef idx="minor"/>
+        </p:style>
+        <p:txBody>
+          <a:bodyPr lIns="90000" rIns="90000" tIns="45000" bIns="45000" anchor="ctr"/>
           <a:p>
             <a:pPr algn="ctr">
               <a:lnSpc>
@@ -8420,14 +8457,14 @@
       </p:sp>
       <p:sp>
         <p:nvSpPr>
-          <p:cNvPr id="93" name="TextShape 2"/>
-          <p:cNvSpPr txBox="1"/>
+          <p:cNvPr id="87" name="CustomShape 2"/>
+          <p:cNvSpPr/>
           <p:nvPr/>
         </p:nvSpPr>
         <p:spPr>
           <a:xfrm>
             <a:off x="457200" y="1600200"/>
-            <a:ext cx="8229240" cy="4525560"/>
+            <a:ext cx="8228880" cy="4525200"/>
           </a:xfrm>
           <a:prstGeom prst="rect">
             <a:avLst/>
@@ -8437,8 +8474,14 @@
             <a:noFill/>
           </a:ln>
         </p:spPr>
-        <p:txBody>
-          <a:bodyPr/>
+        <p:style>
+          <a:lnRef idx="0"/>
+          <a:fillRef idx="0"/>
+          <a:effectRef idx="0"/>
+          <a:fontRef idx="minor"/>
+        </p:style>
+        <p:txBody>
+          <a:bodyPr lIns="90000" rIns="90000" tIns="45000" bIns="45000"/>
           <a:p>
             <a:pPr>
               <a:lnSpc>
@@ -8448,7 +8491,7 @@
               <a:buChar char="•"/>
             </a:pPr>
             <a:r>
-              <a:rPr lang="pt-BR" sz="3200" strike="noStrike">
+              <a:rPr lang="pt-BR" sz="2400" strike="noStrike">
                 <a:solidFill>
                   <a:srgbClr val="000000"/>
                 </a:solidFill>
@@ -8457,7 +8500,7 @@
               <a:t>“</a:t>
             </a:r>
             <a:r>
-              <a:rPr lang="pt-BR" sz="3200" strike="noStrike">
+              <a:rPr lang="pt-BR" sz="2400" strike="noStrike">
                 <a:solidFill>
                   <a:srgbClr val="000000"/>
                 </a:solidFill>
@@ -8476,7 +8519,7 @@
               <a:buChar char="•"/>
             </a:pPr>
             <a:r>
-              <a:rPr lang="pt-BR" sz="3200" strike="noStrike">
+              <a:rPr lang="pt-BR" sz="2400" strike="noStrike">
                 <a:solidFill>
                   <a:srgbClr val="000000"/>
                 </a:solidFill>
@@ -8495,7 +8538,7 @@
               <a:buChar char="–"/>
             </a:pPr>
             <a:r>
-              <a:rPr lang="pt-BR" sz="2800" strike="noStrike">
+              <a:rPr lang="pt-BR" sz="2400" strike="noStrike">
                 <a:solidFill>
                   <a:srgbClr val="000000"/>
                 </a:solidFill>
@@ -8504,7 +8547,7 @@
               <a:t>“</a:t>
             </a:r>
             <a:r>
-              <a:rPr lang="pt-BR" sz="2800" strike="noStrike">
+              <a:rPr lang="pt-BR" sz="2400" strike="noStrike">
                 <a:solidFill>
                   <a:srgbClr val="000000"/>
                 </a:solidFill>
@@ -8513,7 +8556,7 @@
               <a:t>A collection of software and system </a:t>
             </a:r>
             <a:r>
-              <a:rPr lang="pt-BR" sz="2800" strike="noStrike" u="sng">
+              <a:rPr lang="pt-BR" sz="2400" strike="noStrike" u="sng">
                 <a:solidFill>
                   <a:srgbClr val="000000"/>
                 </a:solidFill>
@@ -8532,7 +8575,7 @@
               <a:buChar char="–"/>
             </a:pPr>
             <a:r>
-              <a:rPr lang="pt-BR" sz="2800" strike="noStrike">
+              <a:rPr lang="pt-BR" sz="2400" strike="noStrike">
                 <a:solidFill>
                   <a:srgbClr val="000000"/>
                 </a:solidFill>
@@ -8541,7 +8584,7 @@
               <a:t>A collection of </a:t>
             </a:r>
             <a:r>
-              <a:rPr lang="pt-BR" sz="2800" strike="noStrike" u="sng">
+              <a:rPr lang="pt-BR" sz="2400" strike="noStrike" u="sng">
                 <a:solidFill>
                   <a:srgbClr val="000000"/>
                 </a:solidFill>
@@ -8560,7 +8603,7 @@
               <a:buChar char="–"/>
             </a:pPr>
             <a:r>
-              <a:rPr lang="pt-BR" sz="2800" strike="noStrike">
+              <a:rPr lang="pt-BR" sz="2400" strike="noStrike">
                 <a:solidFill>
                   <a:srgbClr val="000000"/>
                 </a:solidFill>
@@ -8631,14 +8674,14 @@
       </p:grpSpPr>
       <p:sp>
         <p:nvSpPr>
-          <p:cNvPr id="94" name="TextShape 1"/>
-          <p:cNvSpPr txBox="1"/>
+          <p:cNvPr id="88" name="CustomShape 1"/>
+          <p:cNvSpPr/>
           <p:nvPr/>
         </p:nvSpPr>
         <p:spPr>
           <a:xfrm>
             <a:off x="457200" y="274680"/>
-            <a:ext cx="8229240" cy="1142640"/>
+            <a:ext cx="8228880" cy="1142280"/>
           </a:xfrm>
           <a:prstGeom prst="rect">
             <a:avLst/>
@@ -8648,8 +8691,14 @@
             <a:noFill/>
           </a:ln>
         </p:spPr>
-        <p:txBody>
-          <a:bodyPr anchor="ctr"/>
+        <p:style>
+          <a:lnRef idx="0"/>
+          <a:fillRef idx="0"/>
+          <a:effectRef idx="0"/>
+          <a:fontRef idx="minor"/>
+        </p:style>
+        <p:txBody>
+          <a:bodyPr lIns="90000" rIns="90000" tIns="45000" bIns="45000" anchor="ctr"/>
           <a:p>
             <a:pPr algn="ctr">
               <a:lnSpc>
@@ -8671,14 +8720,14 @@
       </p:sp>
       <p:sp>
         <p:nvSpPr>
-          <p:cNvPr id="95" name="TextShape 2"/>
-          <p:cNvSpPr txBox="1"/>
+          <p:cNvPr id="89" name="CustomShape 2"/>
+          <p:cNvSpPr/>
           <p:nvPr/>
         </p:nvSpPr>
         <p:spPr>
           <a:xfrm>
-            <a:off x="457200" y="1600200"/>
-            <a:ext cx="8229240" cy="4525560"/>
+            <a:off x="432000" y="1522800"/>
+            <a:ext cx="8228880" cy="4525200"/>
           </a:xfrm>
           <a:prstGeom prst="rect">
             <a:avLst/>
@@ -8688,8 +8737,14 @@
             <a:noFill/>
           </a:ln>
         </p:spPr>
-        <p:txBody>
-          <a:bodyPr/>
+        <p:style>
+          <a:lnRef idx="0"/>
+          <a:fillRef idx="0"/>
+          <a:effectRef idx="0"/>
+          <a:fontRef idx="minor"/>
+        </p:style>
+        <p:txBody>
+          <a:bodyPr lIns="90000" rIns="90000" tIns="45000" bIns="45000"/>
           <a:p>
             <a:pPr>
               <a:lnSpc>
@@ -8699,7 +8754,7 @@
               <a:buChar char="•"/>
             </a:pPr>
             <a:r>
-              <a:rPr lang="pt-BR" sz="3200" strike="noStrike">
+              <a:rPr lang="pt-BR" sz="2400" strike="noStrike">
                 <a:solidFill>
                   <a:srgbClr val="000000"/>
                 </a:solidFill>
@@ -8708,7 +8763,7 @@
               <a:t>Clements et al., 1997: “The software architecture of a system is the structure or structures of the system, which comprise </a:t>
             </a:r>
             <a:r>
-              <a:rPr lang="pt-BR" sz="3200" strike="noStrike" u="sng">
+              <a:rPr lang="pt-BR" sz="2400" strike="noStrike" u="sng">
                 <a:solidFill>
                   <a:srgbClr val="000000"/>
                 </a:solidFill>
@@ -8719,6 +8774,11 @@
             <a:endParaRPr/>
           </a:p>
           <a:p>
+            <a:pPr>
+              <a:lnSpc>
+                <a:spcPct val="100000"/>
+              </a:lnSpc>
+            </a:pPr>
             <a:endParaRPr/>
           </a:p>
           <a:p>
@@ -8730,7 +8790,7 @@
               <a:buChar char="•"/>
             </a:pPr>
             <a:r>
-              <a:rPr lang="pt-BR" sz="3200" strike="noStrike">
+              <a:rPr lang="pt-BR" sz="2400" strike="noStrike">
                 <a:solidFill>
                   <a:srgbClr val="000000"/>
                 </a:solidFill>
@@ -8741,6 +8801,11 @@
             <a:endParaRPr/>
           </a:p>
           <a:p>
+            <a:pPr>
+              <a:lnSpc>
+                <a:spcPct val="100000"/>
+              </a:lnSpc>
+            </a:pPr>
             <a:endParaRPr/>
           </a:p>
           <a:p>
@@ -8752,7 +8817,7 @@
               <a:buChar char="•"/>
             </a:pPr>
             <a:r>
-              <a:rPr lang="pt-BR" sz="3200" strike="noStrike">
+              <a:rPr lang="pt-BR" sz="2400" strike="noStrike">
                 <a:solidFill>
                   <a:srgbClr val="000000"/>
                 </a:solidFill>
@@ -8823,14 +8888,14 @@
       </p:grpSpPr>
       <p:sp>
         <p:nvSpPr>
-          <p:cNvPr id="96" name="TextShape 1"/>
-          <p:cNvSpPr txBox="1"/>
+          <p:cNvPr id="90" name="CustomShape 1"/>
+          <p:cNvSpPr/>
           <p:nvPr/>
         </p:nvSpPr>
         <p:spPr>
           <a:xfrm>
             <a:off x="457200" y="274680"/>
-            <a:ext cx="8229240" cy="1142640"/>
+            <a:ext cx="8228880" cy="1142280"/>
           </a:xfrm>
           <a:prstGeom prst="rect">
             <a:avLst/>
@@ -8840,8 +8905,14 @@
             <a:noFill/>
           </a:ln>
         </p:spPr>
-        <p:txBody>
-          <a:bodyPr anchor="ctr"/>
+        <p:style>
+          <a:lnRef idx="0"/>
+          <a:fillRef idx="0"/>
+          <a:effectRef idx="0"/>
+          <a:fontRef idx="minor"/>
+        </p:style>
+        <p:txBody>
+          <a:bodyPr lIns="90000" rIns="90000" tIns="45000" bIns="45000" anchor="ctr"/>
           <a:p>
             <a:pPr algn="ctr">
               <a:lnSpc>
@@ -8863,14 +8934,14 @@
       </p:sp>
       <p:sp>
         <p:nvSpPr>
-          <p:cNvPr id="97" name="TextShape 2"/>
-          <p:cNvSpPr txBox="1"/>
+          <p:cNvPr id="91" name="CustomShape 2"/>
+          <p:cNvSpPr/>
           <p:nvPr/>
         </p:nvSpPr>
         <p:spPr>
           <a:xfrm>
             <a:off x="457200" y="1600200"/>
-            <a:ext cx="8229240" cy="4525560"/>
+            <a:ext cx="8228880" cy="4525200"/>
           </a:xfrm>
           <a:prstGeom prst="rect">
             <a:avLst/>
@@ -8880,8 +8951,14 @@
             <a:noFill/>
           </a:ln>
         </p:spPr>
-        <p:txBody>
-          <a:bodyPr/>
+        <p:style>
+          <a:lnRef idx="0"/>
+          <a:fillRef idx="0"/>
+          <a:effectRef idx="0"/>
+          <a:fontRef idx="minor"/>
+        </p:style>
+        <p:txBody>
+          <a:bodyPr lIns="90000" rIns="90000" tIns="45000" bIns="45000"/>
           <a:p>
             <a:pPr>
               <a:lnSpc>
@@ -8891,7 +8968,7 @@
               <a:buChar char="•"/>
             </a:pPr>
             <a:r>
-              <a:rPr i="1" lang="pt-BR" sz="3200" strike="noStrike">
+              <a:rPr i="1" lang="pt-BR" sz="2800" strike="noStrike">
                 <a:solidFill>
                   <a:srgbClr val="000000"/>
                 </a:solidFill>
@@ -8910,7 +8987,7 @@
               <a:buChar char="•"/>
             </a:pPr>
             <a:r>
-              <a:rPr lang="pt-BR" sz="3200" strike="noStrike">
+              <a:rPr lang="pt-BR" sz="2800" strike="noStrike">
                 <a:solidFill>
                   <a:srgbClr val="000000"/>
                 </a:solidFill>
@@ -8929,7 +9006,7 @@
               <a:buChar char="•"/>
             </a:pPr>
             <a:r>
-              <a:rPr lang="pt-BR" sz="3200" strike="noStrike">
+              <a:rPr lang="pt-BR" sz="2800" strike="noStrike">
                 <a:solidFill>
                   <a:srgbClr val="000000"/>
                 </a:solidFill>
@@ -8948,7 +9025,7 @@
               <a:buChar char="•"/>
             </a:pPr>
             <a:r>
-              <a:rPr lang="pt-BR" sz="3200" strike="noStrike">
+              <a:rPr lang="pt-BR" sz="2800" strike="noStrike">
                 <a:solidFill>
                   <a:srgbClr val="000000"/>
                 </a:solidFill>
@@ -8967,7 +9044,7 @@
               <a:buChar char="•"/>
             </a:pPr>
             <a:r>
-              <a:rPr lang="pt-BR" sz="3200" strike="noStrike">
+              <a:rPr lang="pt-BR" sz="2800" strike="noStrike">
                 <a:solidFill>
                   <a:srgbClr val="000000"/>
                 </a:solidFill>
@@ -8989,6 +9066,33 @@
       </p:sp>
     </p:spTree>
   </p:cSld>
+  <p:timing>
+    <p:tnLst>
+      <p:par>
+        <p:cTn id="17" dur="indefinite" restart="never" nodeType="tmRoot">
+          <p:childTnLst>
+            <p:seq>
+              <p:cTn id="18" nodeType="mainSeq"/>
+              <p:prevCondLst>
+                <p:cond delay="0" evt="onPrev">
+                  <p:tgtEl>
+                    <p:sldTgt/>
+                  </p:tgtEl>
+                </p:cond>
+              </p:prevCondLst>
+              <p:nextCondLst>
+                <p:cond delay="0" evt="onNext">
+                  <p:tgtEl>
+                    <p:sldTgt/>
+                  </p:tgtEl>
+                </p:cond>
+              </p:nextCondLst>
+            </p:seq>
+          </p:childTnLst>
+        </p:cTn>
+      </p:par>
+    </p:tnLst>
+  </p:timing>
 </p:sld>
 </file>
 
